--- a/docs/trade_deadline.pptx
+++ b/docs/trade_deadline.pptx
@@ -22,16 +22,16 @@
     <p:sldId id="268" r:id="rId16"/>
     <p:sldId id="269" r:id="rId17"/>
     <p:sldId id="270" r:id="rId18"/>
-    <p:sldId id="271" r:id="rId19"/>
-    <p:sldId id="272" r:id="rId20"/>
-    <p:sldId id="273" r:id="rId21"/>
-    <p:sldId id="274" r:id="rId22"/>
-    <p:sldId id="275" r:id="rId23"/>
-    <p:sldId id="276" r:id="rId24"/>
-    <p:sldId id="277" r:id="rId25"/>
-    <p:sldId id="278" r:id="rId26"/>
-    <p:sldId id="279" r:id="rId27"/>
-    <p:sldId id="280" r:id="rId28"/>
+    <p:sldId id="284" r:id="rId19"/>
+    <p:sldId id="271" r:id="rId20"/>
+    <p:sldId id="272" r:id="rId21"/>
+    <p:sldId id="273" r:id="rId22"/>
+    <p:sldId id="274" r:id="rId23"/>
+    <p:sldId id="275" r:id="rId24"/>
+    <p:sldId id="276" r:id="rId25"/>
+    <p:sldId id="277" r:id="rId26"/>
+    <p:sldId id="278" r:id="rId27"/>
+    <p:sldId id="279" r:id="rId28"/>
     <p:sldId id="281" r:id="rId29"/>
   </p:sldIdLst>
   <p:sldSz cx="12192000" cy="6858000"/>
@@ -286,7 +286,7 @@
           <a:p>
             <a:fld id="{2E0639C0-641A-421D-A348-7494DB1DC004}" type="datetimeFigureOut">
               <a:rPr lang="en-US" smtClean="0"/>
-              <a:t>7/11/2025</a:t>
+              <a:t>7/15/2025</a:t>
             </a:fld>
             <a:endParaRPr lang="en-US"/>
           </a:p>
@@ -484,7 +484,7 @@
           <a:p>
             <a:fld id="{2E0639C0-641A-421D-A348-7494DB1DC004}" type="datetimeFigureOut">
               <a:rPr lang="en-US" smtClean="0"/>
-              <a:t>7/11/2025</a:t>
+              <a:t>7/15/2025</a:t>
             </a:fld>
             <a:endParaRPr lang="en-US"/>
           </a:p>
@@ -692,7 +692,7 @@
           <a:p>
             <a:fld id="{2E0639C0-641A-421D-A348-7494DB1DC004}" type="datetimeFigureOut">
               <a:rPr lang="en-US" smtClean="0"/>
-              <a:t>7/11/2025</a:t>
+              <a:t>7/15/2025</a:t>
             </a:fld>
             <a:endParaRPr lang="en-US"/>
           </a:p>
@@ -890,7 +890,7 @@
           <a:p>
             <a:fld id="{2E0639C0-641A-421D-A348-7494DB1DC004}" type="datetimeFigureOut">
               <a:rPr lang="en-US" smtClean="0"/>
-              <a:t>7/11/2025</a:t>
+              <a:t>7/15/2025</a:t>
             </a:fld>
             <a:endParaRPr lang="en-US"/>
           </a:p>
@@ -1165,7 +1165,7 @@
           <a:p>
             <a:fld id="{2E0639C0-641A-421D-A348-7494DB1DC004}" type="datetimeFigureOut">
               <a:rPr lang="en-US" smtClean="0"/>
-              <a:t>7/11/2025</a:t>
+              <a:t>7/15/2025</a:t>
             </a:fld>
             <a:endParaRPr lang="en-US"/>
           </a:p>
@@ -1430,7 +1430,7 @@
           <a:p>
             <a:fld id="{2E0639C0-641A-421D-A348-7494DB1DC004}" type="datetimeFigureOut">
               <a:rPr lang="en-US" smtClean="0"/>
-              <a:t>7/11/2025</a:t>
+              <a:t>7/15/2025</a:t>
             </a:fld>
             <a:endParaRPr lang="en-US"/>
           </a:p>
@@ -1842,7 +1842,7 @@
           <a:p>
             <a:fld id="{2E0639C0-641A-421D-A348-7494DB1DC004}" type="datetimeFigureOut">
               <a:rPr lang="en-US" smtClean="0"/>
-              <a:t>7/11/2025</a:t>
+              <a:t>7/15/2025</a:t>
             </a:fld>
             <a:endParaRPr lang="en-US"/>
           </a:p>
@@ -1983,7 +1983,7 @@
           <a:p>
             <a:fld id="{2E0639C0-641A-421D-A348-7494DB1DC004}" type="datetimeFigureOut">
               <a:rPr lang="en-US" smtClean="0"/>
-              <a:t>7/11/2025</a:t>
+              <a:t>7/15/2025</a:t>
             </a:fld>
             <a:endParaRPr lang="en-US"/>
           </a:p>
@@ -2096,7 +2096,7 @@
           <a:p>
             <a:fld id="{2E0639C0-641A-421D-A348-7494DB1DC004}" type="datetimeFigureOut">
               <a:rPr lang="en-US" smtClean="0"/>
-              <a:t>7/11/2025</a:t>
+              <a:t>7/15/2025</a:t>
             </a:fld>
             <a:endParaRPr lang="en-US"/>
           </a:p>
@@ -2407,7 +2407,7 @@
           <a:p>
             <a:fld id="{2E0639C0-641A-421D-A348-7494DB1DC004}" type="datetimeFigureOut">
               <a:rPr lang="en-US" smtClean="0"/>
-              <a:t>7/11/2025</a:t>
+              <a:t>7/15/2025</a:t>
             </a:fld>
             <a:endParaRPr lang="en-US"/>
           </a:p>
@@ -2695,7 +2695,7 @@
           <a:p>
             <a:fld id="{2E0639C0-641A-421D-A348-7494DB1DC004}" type="datetimeFigureOut">
               <a:rPr lang="en-US" smtClean="0"/>
-              <a:t>7/11/2025</a:t>
+              <a:t>7/15/2025</a:t>
             </a:fld>
             <a:endParaRPr lang="en-US"/>
           </a:p>
@@ -2936,7 +2936,7 @@
           <a:p>
             <a:fld id="{2E0639C0-641A-421D-A348-7494DB1DC004}" type="datetimeFigureOut">
               <a:rPr lang="en-US" smtClean="0"/>
-              <a:t>7/11/2025</a:t>
+              <a:t>7/15/2025</a:t>
             </a:fld>
             <a:endParaRPr lang="en-US"/>
           </a:p>
@@ -4310,7 +4310,7 @@
         </p:nvSpPr>
         <p:spPr>
           <a:xfrm>
-            <a:off x="1194077" y="1969477"/>
+            <a:off x="1194077" y="2293327"/>
             <a:ext cx="10005647" cy="1200329"/>
           </a:xfrm>
           <a:prstGeom prst="rect">
@@ -4337,19 +4337,7 @@
                   </a:schemeClr>
                 </a:solidFill>
               </a:rPr>
-              <a:t>I'll help you evaluate the Atlanta Braves by first checking their current standings and team statistics. Let's break this down systematically.</a:t>
-            </a:r>
-          </a:p>
-          <a:p>
-            <a:r>
-              <a:rPr lang="en-US" sz="2400" dirty="0">
-                <a:solidFill>
-                  <a:schemeClr val="accent6">
-                    <a:lumMod val="75000"/>
-                  </a:schemeClr>
-                </a:solidFill>
-              </a:rPr>
-              <a:t>First, I'll check the current MLB standings:</a:t>
+              <a:t>I'll help you evaluate the Atlanta Braves by gathering some key information about their current performance and roster. Let me start by checking their standings and team statistics:</a:t>
             </a:r>
           </a:p>
         </p:txBody>
@@ -4383,7 +4371,7 @@
         </p:blipFill>
         <p:spPr>
           <a:xfrm>
-            <a:off x="791308" y="3360724"/>
+            <a:off x="791308" y="3684574"/>
             <a:ext cx="10520624" cy="454688"/>
           </a:xfrm>
           <a:prstGeom prst="rect">
@@ -4396,59 +4384,6 @@
           </a:ln>
         </p:spPr>
       </p:pic>
-      <p:sp>
-        <p:nvSpPr>
-          <p:cNvPr id="4" name="TextBox 3">
-            <a:extLst>
-              <a:ext uri="{FF2B5EF4-FFF2-40B4-BE49-F238E27FC236}">
-                <a16:creationId xmlns:a16="http://schemas.microsoft.com/office/drawing/2014/main" id="{2DB19D9E-6266-DACB-1234-BA77770F586E}"/>
-              </a:ext>
-            </a:extLst>
-          </p:cNvPr>
-          <p:cNvSpPr txBox="1"/>
-          <p:nvPr/>
-        </p:nvSpPr>
-        <p:spPr>
-          <a:xfrm>
-            <a:off x="2273440" y="3941745"/>
-            <a:ext cx="7127720" cy="461665"/>
-          </a:xfrm>
-          <a:prstGeom prst="rect">
-            <a:avLst/>
-          </a:prstGeom>
-          <a:noFill/>
-          <a:ln>
-            <a:solidFill>
-              <a:schemeClr val="tx1"/>
-            </a:solidFill>
-          </a:ln>
-        </p:spPr>
-        <p:txBody>
-          <a:bodyPr wrap="square" rtlCol="0">
-            <a:spAutoFit/>
-          </a:bodyPr>
-          <a:lstStyle>
-            <a:defPPr>
-              <a:defRPr lang="en-US"/>
-            </a:defPPr>
-            <a:lvl1pPr>
-              <a:defRPr sz="2400"/>
-            </a:lvl1pPr>
-          </a:lstStyle>
-          <a:p>
-            <a:r>
-              <a:rPr lang="en-US" dirty="0">
-                <a:solidFill>
-                  <a:schemeClr val="accent6">
-                    <a:lumMod val="75000"/>
-                  </a:schemeClr>
-                </a:solidFill>
-              </a:rPr>
-              <a:t>Now, I'll check the team's batting and pitching statistics:</a:t>
-            </a:r>
-          </a:p>
-        </p:txBody>
-      </p:sp>
       <p:pic>
         <p:nvPicPr>
           <p:cNvPr id="5" name="Picture 4">
@@ -4478,7 +4413,7 @@
         </p:blipFill>
         <p:spPr>
           <a:xfrm>
-            <a:off x="791308" y="4511878"/>
+            <a:off x="791308" y="4245178"/>
             <a:ext cx="10520624" cy="461665"/>
           </a:xfrm>
           <a:prstGeom prst="rect">
@@ -4520,7 +4455,7 @@
         </p:blipFill>
         <p:spPr>
           <a:xfrm>
-            <a:off x="791308" y="5099876"/>
+            <a:off x="791308" y="4833176"/>
             <a:ext cx="10609384" cy="461665"/>
           </a:xfrm>
           <a:prstGeom prst="rect">
@@ -4619,7 +4554,7 @@
         <p:spPr>
           <a:xfrm>
             <a:off x="1093176" y="887768"/>
-            <a:ext cx="10005647" cy="5940088"/>
+            <a:ext cx="10005647" cy="5632311"/>
           </a:xfrm>
           <a:prstGeom prst="rect">
             <a:avLst/>
@@ -4645,7 +4580,7 @@
                   </a:schemeClr>
                 </a:solidFill>
               </a:rPr>
-              <a:t>Analysis of the Atlanta Braves:</a:t>
+              <a:t>After a comprehensive analysis, here's my evaluation of the Atlanta Braves:</a:t>
             </a:r>
           </a:p>
           <a:p>
@@ -4666,7 +4601,7 @@
                   </a:schemeClr>
                 </a:solidFill>
               </a:rPr>
-              <a:t>Strengths:</a:t>
+              <a:t>Current Situation:</a:t>
             </a:r>
           </a:p>
           <a:p>
@@ -4678,7 +4613,7 @@
                   </a:schemeClr>
                 </a:solidFill>
               </a:rPr>
-              <a:t>1. Solid Pitching: </a:t>
+              <a:t>- Record: 42-53, which is significantly below expectations for a team that has been a perennial contender</a:t>
             </a:r>
           </a:p>
           <a:p>
@@ -4690,7 +4625,7 @@
                   </a:schemeClr>
                 </a:solidFill>
               </a:rPr>
-              <a:t>- ERA of 3.83 is respectable</a:t>
+              <a:t>- Pythagorean wins suggest they're slightly underperforming (expected 48-47 record)</a:t>
             </a:r>
           </a:p>
           <a:p>
@@ -4702,31 +4637,7 @@
                   </a:schemeClr>
                 </a:solidFill>
               </a:rPr>
-              <a:t>- Strong strikeout rate (9.38 K/9)</a:t>
-            </a:r>
-          </a:p>
-          <a:p>
-            <a:r>
-              <a:rPr lang="en-US" sz="2000" dirty="0">
-                <a:solidFill>
-                  <a:schemeClr val="accent6">
-                    <a:lumMod val="75000"/>
-                  </a:schemeClr>
-                </a:solidFill>
-              </a:rPr>
-              <a:t>- Good strikeout-to-walk ratio (2.87)</a:t>
-            </a:r>
-          </a:p>
-          <a:p>
-            <a:r>
-              <a:rPr lang="en-US" sz="2000" dirty="0">
-                <a:solidFill>
-                  <a:schemeClr val="accent6">
-                    <a:lumMod val="75000"/>
-                  </a:schemeClr>
-                </a:solidFill>
-              </a:rPr>
-              <a:t>- Consistent performance in hits and runs allowed</a:t>
+              <a:t>- Currently not in a playoff position</a:t>
             </a:r>
           </a:p>
           <a:p>
@@ -4747,7 +4658,7 @@
                   </a:schemeClr>
                 </a:solidFill>
               </a:rPr>
-              <a:t>2. Pythagorean Wins Suggest Potential:</a:t>
+              <a:t>Strengths:</a:t>
             </a:r>
           </a:p>
           <a:p>
@@ -4759,7 +4670,7 @@
                   </a:schemeClr>
                 </a:solidFill>
               </a:rPr>
-              <a:t>- Pythagorean record of 46-45 suggests the team is underperforming their expected win total</a:t>
+              <a:t>1. Pitching:</a:t>
             </a:r>
           </a:p>
           <a:p>
@@ -4771,7 +4682,43 @@
                   </a:schemeClr>
                 </a:solidFill>
               </a:rPr>
-              <a:t>- Indicates underlying talent and potential for improvement</a:t>
+              <a:t>- Solid strikeout rate (9.40 K/9)</a:t>
+            </a:r>
+          </a:p>
+          <a:p>
+            <a:r>
+              <a:rPr lang="en-US" sz="2000" dirty="0">
+                <a:solidFill>
+                  <a:schemeClr val="accent6">
+                    <a:lumMod val="75000"/>
+                  </a:schemeClr>
+                </a:solidFill>
+              </a:rPr>
+              <a:t>- Reasonable walk rate (3.30 BB/9)</a:t>
+            </a:r>
+          </a:p>
+          <a:p>
+            <a:r>
+              <a:rPr lang="en-US" sz="2000" dirty="0">
+                <a:solidFill>
+                  <a:schemeClr val="accent6">
+                    <a:lumMod val="75000"/>
+                  </a:schemeClr>
+                </a:solidFill>
+              </a:rPr>
+              <a:t>- Respectable ERA of 3.88</a:t>
+            </a:r>
+          </a:p>
+          <a:p>
+            <a:r>
+              <a:rPr lang="en-US" sz="2000" dirty="0">
+                <a:solidFill>
+                  <a:schemeClr val="accent6">
+                    <a:lumMod val="75000"/>
+                  </a:schemeClr>
+                </a:solidFill>
+              </a:rPr>
+              <a:t>- Good strikeout-to-walk ratio (2.85)</a:t>
             </a:r>
           </a:p>
           <a:p>
@@ -4792,7 +4739,7 @@
                   </a:schemeClr>
                 </a:solidFill>
               </a:rPr>
-              <a:t>Weaknesses:</a:t>
+              <a:t>2. Pitching Depth:</a:t>
             </a:r>
           </a:p>
           <a:p>
@@ -4804,7 +4751,7 @@
                   </a:schemeClr>
                 </a:solidFill>
               </a:rPr>
-              <a:t>1. Offensive Struggles:</a:t>
+              <a:t>- Consistent performance across innings</a:t>
             </a:r>
           </a:p>
           <a:p>
@@ -4816,43 +4763,7 @@
                   </a:schemeClr>
                 </a:solidFill>
               </a:rPr>
-              <a:t>- Low batting average (.243)</a:t>
-            </a:r>
-          </a:p>
-          <a:p>
-            <a:r>
-              <a:rPr lang="en-US" sz="2000" dirty="0">
-                <a:solidFill>
-                  <a:schemeClr val="accent6">
-                    <a:lumMod val="75000"/>
-                  </a:schemeClr>
-                </a:solidFill>
-              </a:rPr>
-              <a:t>- Low on-base percentage (.316)</a:t>
-            </a:r>
-          </a:p>
-          <a:p>
-            <a:r>
-              <a:rPr lang="en-US" sz="2000" dirty="0">
-                <a:solidFill>
-                  <a:schemeClr val="accent6">
-                    <a:lumMod val="75000"/>
-                  </a:schemeClr>
-                </a:solidFill>
-              </a:rPr>
-              <a:t>- Low slugging percentage (.385)</a:t>
-            </a:r>
-          </a:p>
-          <a:p>
-            <a:r>
-              <a:rPr lang="en-US" sz="2000" dirty="0">
-                <a:solidFill>
-                  <a:schemeClr val="accent6">
-                    <a:lumMod val="75000"/>
-                  </a:schemeClr>
-                </a:solidFill>
-              </a:rPr>
-              <a:t>- Relatively low run production (367 runs in 91 games)</a:t>
+              <a:t>- Ability to generate strikeouts</a:t>
             </a:r>
           </a:p>
         </p:txBody>
@@ -4943,7 +4854,7 @@
         <p:spPr>
           <a:xfrm>
             <a:off x="1093176" y="887768"/>
-            <a:ext cx="10005647" cy="5940088"/>
+            <a:ext cx="10005647" cy="5632311"/>
           </a:xfrm>
           <a:prstGeom prst="rect">
             <a:avLst/>
@@ -4962,42 +4873,78 @@
           <a:lstStyle/>
           <a:p>
             <a:r>
-              <a:rPr lang="en-US" sz="2000" dirty="0">
-                <a:solidFill>
-                  <a:schemeClr val="accent6">
-                    <a:lumMod val="75000"/>
-                  </a:schemeClr>
-                </a:solidFill>
-              </a:rPr>
-              <a:t>2. Current Record:</a:t>
-            </a:r>
-          </a:p>
-          <a:p>
-            <a:r>
-              <a:rPr lang="en-US" sz="2000" dirty="0">
-                <a:solidFill>
-                  <a:schemeClr val="accent6">
-                    <a:lumMod val="75000"/>
-                  </a:schemeClr>
-                </a:solidFill>
-              </a:rPr>
-              <a:t>- 40-51 record is below expectations for a traditionally strong Braves team</a:t>
-            </a:r>
-          </a:p>
-          <a:p>
-            <a:r>
-              <a:rPr lang="en-US" sz="2000" dirty="0">
-                <a:solidFill>
-                  <a:schemeClr val="accent6">
-                    <a:lumMod val="75000"/>
-                  </a:schemeClr>
-                </a:solidFill>
-              </a:rPr>
-              <a:t>- Sitting outside playoff position</a:t>
-            </a:r>
-          </a:p>
-          <a:p>
-            <a:endParaRPr lang="en-US" sz="2000" dirty="0">
+              <a:rPr lang="en-US" dirty="0">
+                <a:solidFill>
+                  <a:schemeClr val="accent6">
+                    <a:lumMod val="75000"/>
+                  </a:schemeClr>
+                </a:solidFill>
+              </a:rPr>
+              <a:t>Weaknesses:</a:t>
+            </a:r>
+          </a:p>
+          <a:p>
+            <a:r>
+              <a:rPr lang="en-US" dirty="0">
+                <a:solidFill>
+                  <a:schemeClr val="accent6">
+                    <a:lumMod val="75000"/>
+                  </a:schemeClr>
+                </a:solidFill>
+              </a:rPr>
+              <a:t>1. Offensive Performance:</a:t>
+            </a:r>
+          </a:p>
+          <a:p>
+            <a:r>
+              <a:rPr lang="en-US" dirty="0">
+                <a:solidFill>
+                  <a:schemeClr val="accent6">
+                    <a:lumMod val="75000"/>
+                  </a:schemeClr>
+                </a:solidFill>
+              </a:rPr>
+              <a:t>- Low batting average (.243)</a:t>
+            </a:r>
+          </a:p>
+          <a:p>
+            <a:r>
+              <a:rPr lang="en-US" dirty="0">
+                <a:solidFill>
+                  <a:schemeClr val="accent6">
+                    <a:lumMod val="75000"/>
+                  </a:schemeClr>
+                </a:solidFill>
+              </a:rPr>
+              <a:t>- Mediocre on-base percentage (.315)</a:t>
+            </a:r>
+          </a:p>
+          <a:p>
+            <a:r>
+              <a:rPr lang="en-US" dirty="0">
+                <a:solidFill>
+                  <a:schemeClr val="accent6">
+                    <a:lumMod val="75000"/>
+                  </a:schemeClr>
+                </a:solidFill>
+              </a:rPr>
+              <a:t>- Limited power (105 home runs, plate appearance per HR at 34.3)</a:t>
+            </a:r>
+          </a:p>
+          <a:p>
+            <a:r>
+              <a:rPr lang="en-US" dirty="0">
+                <a:solidFill>
+                  <a:schemeClr val="accent6">
+                    <a:lumMod val="75000"/>
+                  </a:schemeClr>
+                </a:solidFill>
+              </a:rPr>
+              <a:t>- High strikeout rate (819 strikeouts)</a:t>
+            </a:r>
+          </a:p>
+          <a:p>
+            <a:endParaRPr lang="en-US" dirty="0">
               <a:solidFill>
                 <a:schemeClr val="accent6">
                   <a:lumMod val="75000"/>
@@ -5007,30 +4954,42 @@
           </a:p>
           <a:p>
             <a:r>
-              <a:rPr lang="en-US" sz="2000" dirty="0">
-                <a:solidFill>
-                  <a:schemeClr val="accent6">
-                    <a:lumMod val="75000"/>
-                  </a:schemeClr>
-                </a:solidFill>
-              </a:rPr>
-              <a:t>Trade Deadline Strategy:</a:t>
-            </a:r>
-          </a:p>
-          <a:p>
-            <a:r>
-              <a:rPr lang="en-US" sz="2000" dirty="0">
-                <a:solidFill>
-                  <a:schemeClr val="accent6">
-                    <a:lumMod val="75000"/>
-                  </a:schemeClr>
-                </a:solidFill>
-              </a:rPr>
-              <a:t>Given the current situation, I recommend a balanced approach:</a:t>
-            </a:r>
-          </a:p>
-          <a:p>
-            <a:endParaRPr lang="en-US" sz="2000" dirty="0">
+              <a:rPr lang="en-US" dirty="0">
+                <a:solidFill>
+                  <a:schemeClr val="accent6">
+                    <a:lumMod val="75000"/>
+                  </a:schemeClr>
+                </a:solidFill>
+              </a:rPr>
+              <a:t>2. Overall Record:</a:t>
+            </a:r>
+          </a:p>
+          <a:p>
+            <a:r>
+              <a:rPr lang="en-US" dirty="0">
+                <a:solidFill>
+                  <a:schemeClr val="accent6">
+                    <a:lumMod val="75000"/>
+                  </a:schemeClr>
+                </a:solidFill>
+              </a:rPr>
+              <a:t>- Struggling to maintain winning momentum</a:t>
+            </a:r>
+          </a:p>
+          <a:p>
+            <a:r>
+              <a:rPr lang="en-US" dirty="0">
+                <a:solidFill>
+                  <a:schemeClr val="accent6">
+                    <a:lumMod val="75000"/>
+                  </a:schemeClr>
+                </a:solidFill>
+              </a:rPr>
+              <a:t>- Significant gap from playoff contention</a:t>
+            </a:r>
+          </a:p>
+          <a:p>
+            <a:endParaRPr lang="en-US" dirty="0">
               <a:solidFill>
                 <a:schemeClr val="accent6">
                   <a:lumMod val="75000"/>
@@ -5040,30 +4999,18 @@
           </a:p>
           <a:p>
             <a:r>
-              <a:rPr lang="en-US" sz="2000" dirty="0">
-                <a:solidFill>
-                  <a:schemeClr val="accent6">
-                    <a:lumMod val="75000"/>
-                  </a:schemeClr>
-                </a:solidFill>
-              </a:rPr>
-              <a:t>1. Offensive Upgrades:</a:t>
-            </a:r>
-          </a:p>
-          <a:p>
-            <a:r>
-              <a:rPr lang="en-US" sz="2000" dirty="0">
-                <a:solidFill>
-                  <a:schemeClr val="accent6">
-                    <a:lumMod val="75000"/>
-                  </a:schemeClr>
-                </a:solidFill>
-              </a:rPr>
-              <a:t>The Braves need to improve their batting performance. Potential trade targets:</a:t>
-            </a:r>
-          </a:p>
-          <a:p>
-            <a:endParaRPr lang="en-US" sz="2000" dirty="0">
+              <a:rPr lang="en-US" dirty="0">
+                <a:solidFill>
+                  <a:schemeClr val="accent6">
+                    <a:lumMod val="75000"/>
+                  </a:schemeClr>
+                </a:solidFill>
+              </a:rPr>
+              <a:t>Trade Deadline Strategy:</a:t>
+            </a:r>
+          </a:p>
+          <a:p>
+            <a:endParaRPr lang="en-US" dirty="0">
               <a:solidFill>
                 <a:schemeClr val="accent6">
                   <a:lumMod val="75000"/>
@@ -5073,54 +5020,18 @@
           </a:p>
           <a:p>
             <a:r>
-              <a:rPr lang="en-US" sz="2000" dirty="0">
-                <a:solidFill>
-                  <a:schemeClr val="accent6">
-                    <a:lumMod val="75000"/>
-                  </a:schemeClr>
-                </a:solidFill>
-              </a:rPr>
-              <a:t>a) Outfield Power Bat:</a:t>
-            </a:r>
-          </a:p>
-          <a:p>
-            <a:r>
-              <a:rPr lang="en-US" sz="2000" dirty="0">
-                <a:solidFill>
-                  <a:schemeClr val="accent6">
-                    <a:lumMod val="75000"/>
-                  </a:schemeClr>
-                </a:solidFill>
-              </a:rPr>
-              <a:t>- Target: Lane Thomas (Washington Nationals)</a:t>
-            </a:r>
-          </a:p>
-          <a:p>
-            <a:r>
-              <a:rPr lang="en-US" sz="2000" dirty="0">
-                <a:solidFill>
-                  <a:schemeClr val="accent6">
-                    <a:lumMod val="75000"/>
-                  </a:schemeClr>
-                </a:solidFill>
-              </a:rPr>
-              <a:t>- Rationale: Young, affordable, can provide offensive spark</a:t>
-            </a:r>
-          </a:p>
-          <a:p>
-            <a:r>
-              <a:rPr lang="en-US" sz="2000" dirty="0">
-                <a:solidFill>
-                  <a:schemeClr val="accent6">
-                    <a:lumMod val="75000"/>
-                  </a:schemeClr>
-                </a:solidFill>
-              </a:rPr>
-              <a:t>- Potential trade package: Mid-tier pitching prospect + utility player</a:t>
-            </a:r>
-          </a:p>
-          <a:p>
-            <a:endParaRPr lang="en-US" sz="2000" dirty="0">
+              <a:rPr lang="en-US" dirty="0">
+                <a:solidFill>
+                  <a:schemeClr val="accent6">
+                    <a:lumMod val="75000"/>
+                  </a:schemeClr>
+                </a:solidFill>
+              </a:rPr>
+              <a:t>Given the current situation, I recommend a nuanced approach:</a:t>
+            </a:r>
+          </a:p>
+          <a:p>
+            <a:endParaRPr lang="en-US" dirty="0">
               <a:solidFill>
                 <a:schemeClr val="accent6">
                   <a:lumMod val="75000"/>
@@ -5130,70 +5041,62 @@
           </a:p>
           <a:p>
             <a:r>
-              <a:rPr lang="en-US" sz="2000" dirty="0">
-                <a:solidFill>
-                  <a:schemeClr val="accent6">
-                    <a:lumMod val="75000"/>
-                  </a:schemeClr>
-                </a:solidFill>
-              </a:rPr>
-              <a:t>b) Infield Depth:</a:t>
-            </a:r>
-          </a:p>
-          <a:p>
-            <a:r>
-              <a:rPr lang="en-US" sz="2000" dirty="0">
-                <a:solidFill>
-                  <a:schemeClr val="accent6">
-                    <a:lumMod val="75000"/>
-                  </a:schemeClr>
-                </a:solidFill>
-              </a:rPr>
-              <a:t>- Target: </a:t>
-            </a:r>
-            <a:r>
-              <a:rPr lang="en-US" sz="2000" dirty="0" err="1">
-                <a:solidFill>
-                  <a:schemeClr val="accent6">
-                    <a:lumMod val="75000"/>
-                  </a:schemeClr>
-                </a:solidFill>
-              </a:rPr>
-              <a:t>Jeimer</a:t>
-            </a:r>
-            <a:r>
-              <a:rPr lang="en-US" sz="2000" dirty="0">
-                <a:solidFill>
-                  <a:schemeClr val="accent6">
-                    <a:lumMod val="75000"/>
-                  </a:schemeClr>
-                </a:solidFill>
-              </a:rPr>
-              <a:t> Candelario (Washington Nationals)</a:t>
-            </a:r>
-          </a:p>
-          <a:p>
-            <a:r>
-              <a:rPr lang="en-US" sz="2000" dirty="0">
-                <a:solidFill>
-                  <a:schemeClr val="accent6">
-                    <a:lumMod val="75000"/>
-                  </a:schemeClr>
-                </a:solidFill>
-              </a:rPr>
-              <a:t>- Rationale: Versatile infielder with power potential</a:t>
-            </a:r>
-          </a:p>
-          <a:p>
-            <a:r>
-              <a:rPr lang="en-US" sz="2000" dirty="0">
-                <a:solidFill>
-                  <a:schemeClr val="accent6">
-                    <a:lumMod val="75000"/>
-                  </a:schemeClr>
-                </a:solidFill>
-              </a:rPr>
-              <a:t>- Potential trade package: Lower-tier pitching prospect</a:t>
+              <a:rPr lang="en-US" dirty="0">
+                <a:solidFill>
+                  <a:schemeClr val="accent6">
+                    <a:lumMod val="75000"/>
+                  </a:schemeClr>
+                </a:solidFill>
+              </a:rPr>
+              <a:t>Buying Approach (If Aiming to Compete):</a:t>
+            </a:r>
+          </a:p>
+          <a:p>
+            <a:r>
+              <a:rPr lang="en-US" dirty="0">
+                <a:solidFill>
+                  <a:schemeClr val="accent6">
+                    <a:lumMod val="75000"/>
+                  </a:schemeClr>
+                </a:solidFill>
+              </a:rPr>
+              <a:t>- Focus on acquiring:</a:t>
+            </a:r>
+          </a:p>
+          <a:p>
+            <a:r>
+              <a:rPr lang="en-US" dirty="0">
+                <a:solidFill>
+                  <a:schemeClr val="accent6">
+                    <a:lumMod val="75000"/>
+                  </a:schemeClr>
+                </a:solidFill>
+              </a:rPr>
+              <a:t>  1. High-contact, high-OBP position players</a:t>
+            </a:r>
+          </a:p>
+          <a:p>
+            <a:r>
+              <a:rPr lang="en-US" dirty="0">
+                <a:solidFill>
+                  <a:schemeClr val="accent6">
+                    <a:lumMod val="75000"/>
+                  </a:schemeClr>
+                </a:solidFill>
+              </a:rPr>
+              <a:t>  2. Power hitters to improve home run production</a:t>
+            </a:r>
+          </a:p>
+          <a:p>
+            <a:r>
+              <a:rPr lang="en-US" dirty="0">
+                <a:solidFill>
+                  <a:schemeClr val="accent6">
+                    <a:lumMod val="75000"/>
+                  </a:schemeClr>
+                </a:solidFill>
+              </a:rPr>
+              <a:t>  3. Bullpen depth to stabilize late-inning performance</a:t>
             </a:r>
           </a:p>
         </p:txBody>
@@ -5284,7 +5187,7 @@
         <p:spPr>
           <a:xfrm>
             <a:off x="1093176" y="1229412"/>
-            <a:ext cx="10005647" cy="5016758"/>
+            <a:ext cx="10005647" cy="4708981"/>
           </a:xfrm>
           <a:prstGeom prst="rect">
             <a:avLst/>
@@ -5310,7 +5213,7 @@
                   </a:schemeClr>
                 </a:solidFill>
               </a:rPr>
-              <a:t>2. Pitching Depth:</a:t>
+              <a:t>Selling Approach (Retooling):</a:t>
             </a:r>
           </a:p>
           <a:p>
@@ -5322,7 +5225,43 @@
                   </a:schemeClr>
                 </a:solidFill>
               </a:rPr>
-              <a:t>While pitching is solid, adding a reliable arm could help:</a:t>
+              <a:t>If the front office decides to sell, focus on trading:</a:t>
+            </a:r>
+          </a:p>
+          <a:p>
+            <a:r>
+              <a:rPr lang="en-US" sz="2000" dirty="0">
+                <a:solidFill>
+                  <a:schemeClr val="accent6">
+                    <a:lumMod val="75000"/>
+                  </a:schemeClr>
+                </a:solidFill>
+              </a:rPr>
+              <a:t>1. Veteran pitchers with trade value</a:t>
+            </a:r>
+          </a:p>
+          <a:p>
+            <a:r>
+              <a:rPr lang="en-US" sz="2000" dirty="0">
+                <a:solidFill>
+                  <a:schemeClr val="accent6">
+                    <a:lumMod val="75000"/>
+                  </a:schemeClr>
+                </a:solidFill>
+              </a:rPr>
+              <a:t>2. Expiring contracts</a:t>
+            </a:r>
+          </a:p>
+          <a:p>
+            <a:r>
+              <a:rPr lang="en-US" sz="2000" dirty="0">
+                <a:solidFill>
+                  <a:schemeClr val="accent6">
+                    <a:lumMod val="75000"/>
+                  </a:schemeClr>
+                </a:solidFill>
+              </a:rPr>
+              <a:t>3. Potentially movable bullpen arms</a:t>
             </a:r>
           </a:p>
           <a:p>
@@ -5343,7 +5282,7 @@
                   </a:schemeClr>
                 </a:solidFill>
               </a:rPr>
-              <a:t>a) Veteran Starter:</a:t>
+              <a:t>Positions to Improve:</a:t>
             </a:r>
           </a:p>
           <a:p>
@@ -5355,7 +5294,7 @@
                   </a:schemeClr>
                 </a:solidFill>
               </a:rPr>
-              <a:t>- Target: Marcus Stroman (Chicago Cubs)</a:t>
+              <a:t>1. Outfield: Need more consistent offensive production</a:t>
             </a:r>
           </a:p>
           <a:p>
@@ -5367,7 +5306,7 @@
                   </a:schemeClr>
                 </a:solidFill>
               </a:rPr>
-              <a:t>- Rationale: Experienced pitcher who could stabilize rotation</a:t>
+              <a:t>2. Infield: Improve batting average and on-base skills</a:t>
             </a:r>
           </a:p>
           <a:p>
@@ -5379,7 +5318,7 @@
                   </a:schemeClr>
                 </a:solidFill>
               </a:rPr>
-              <a:t>- Potential trade package: 2-3 mid-level prospects</a:t>
+              <a:t>3. Bullpen: Add reliable late-inning relievers</a:t>
             </a:r>
           </a:p>
           <a:p>
@@ -5400,7 +5339,7 @@
                   </a:schemeClr>
                 </a:solidFill>
               </a:rPr>
-              <a:t>3. Strategic Selling:</a:t>
+              <a:t>Long-term Considerations:</a:t>
             </a:r>
           </a:p>
           <a:p>
@@ -5412,17 +5351,8 @@
                   </a:schemeClr>
                 </a:solidFill>
               </a:rPr>
-              <a:t>If playoff hopes diminish, consider trading expiring contracts for prospects to reload the farm system.</a:t>
-            </a:r>
-          </a:p>
-          <a:p>
-            <a:endParaRPr lang="en-US" sz="2000" dirty="0">
-              <a:solidFill>
-                <a:schemeClr val="accent6">
-                  <a:lumMod val="75000"/>
-                </a:schemeClr>
-              </a:solidFill>
-            </a:endParaRPr>
+              <a:t>- Maintain focus on player development</a:t>
+            </a:r>
           </a:p>
           <a:p>
             <a:r>
@@ -5433,7 +5363,7 @@
                   </a:schemeClr>
                 </a:solidFill>
               </a:rPr>
-              <a:t>Potential Trade Partners:</a:t>
+              <a:t>- Leverage strong pitching foundation</a:t>
             </a:r>
           </a:p>
           <a:p>
@@ -5445,31 +5375,7 @@
                   </a:schemeClr>
                 </a:solidFill>
               </a:rPr>
-              <a:t>1. Washington Nationals (rebuilding, likely to sell)</a:t>
-            </a:r>
-          </a:p>
-          <a:p>
-            <a:r>
-              <a:rPr lang="en-US" sz="2000" dirty="0">
-                <a:solidFill>
-                  <a:schemeClr val="accent6">
-                    <a:lumMod val="75000"/>
-                  </a:schemeClr>
-                </a:solidFill>
-              </a:rPr>
-              <a:t>2. Oakland Athletics (looking to shed salary)</a:t>
-            </a:r>
-          </a:p>
-          <a:p>
-            <a:r>
-              <a:rPr lang="en-US" sz="2000" dirty="0">
-                <a:solidFill>
-                  <a:schemeClr val="accent6">
-                    <a:lumMod val="75000"/>
-                  </a:schemeClr>
-                </a:solidFill>
-              </a:rPr>
-              <a:t>3. Kansas City Royals (potential sellers)</a:t>
+              <a:t>- Invest in analytics-driven player acquisition</a:t>
             </a:r>
           </a:p>
         </p:txBody>
@@ -5488,6 +5394,285 @@
 </file>
 
 <file path=ppt/slides/slide18.xml><?xml version="1.0" encoding="utf-8"?>
+<p:sld xmlns:a="http://schemas.openxmlformats.org/drawingml/2006/main" xmlns:r="http://schemas.openxmlformats.org/officeDocument/2006/relationships" xmlns:p="http://schemas.openxmlformats.org/presentationml/2006/main">
+  <p:cSld>
+    <p:spTree>
+      <p:nvGrpSpPr>
+        <p:cNvPr id="1" name="">
+          <a:extLst>
+            <a:ext uri="{FF2B5EF4-FFF2-40B4-BE49-F238E27FC236}">
+              <a16:creationId xmlns:a16="http://schemas.microsoft.com/office/drawing/2014/main" id="{E897EAAF-B734-B3D6-CE73-4F34065AAD3A}"/>
+            </a:ext>
+          </a:extLst>
+        </p:cNvPr>
+        <p:cNvGrpSpPr/>
+        <p:nvPr/>
+      </p:nvGrpSpPr>
+      <p:grpSpPr>
+        <a:xfrm>
+          <a:off x="0" y="0"/>
+          <a:ext cx="0" cy="0"/>
+          <a:chOff x="0" y="0"/>
+          <a:chExt cx="0" cy="0"/>
+        </a:xfrm>
+      </p:grpSpPr>
+      <p:sp>
+        <p:nvSpPr>
+          <p:cNvPr id="2" name="Title 1">
+            <a:extLst>
+              <a:ext uri="{FF2B5EF4-FFF2-40B4-BE49-F238E27FC236}">
+                <a16:creationId xmlns:a16="http://schemas.microsoft.com/office/drawing/2014/main" id="{B5F02331-9198-FBB2-B47A-9810AB5A954E}"/>
+              </a:ext>
+            </a:extLst>
+          </p:cNvPr>
+          <p:cNvSpPr>
+            <a:spLocks noGrp="1"/>
+          </p:cNvSpPr>
+          <p:nvPr>
+            <p:ph type="title"/>
+          </p:nvPr>
+        </p:nvSpPr>
+        <p:spPr>
+          <a:xfrm>
+            <a:off x="386024" y="127478"/>
+            <a:ext cx="5181600" cy="760290"/>
+          </a:xfrm>
+        </p:spPr>
+        <p:txBody>
+          <a:bodyPr>
+            <a:normAutofit/>
+          </a:bodyPr>
+          <a:lstStyle/>
+          <a:p>
+            <a:r>
+              <a:rPr lang="en-US" sz="3200" b="1" dirty="0"/>
+              <a:t>Tool Use LLM - Response</a:t>
+            </a:r>
+          </a:p>
+        </p:txBody>
+      </p:sp>
+      <p:sp>
+        <p:nvSpPr>
+          <p:cNvPr id="7" name="TextBox 6">
+            <a:extLst>
+              <a:ext uri="{FF2B5EF4-FFF2-40B4-BE49-F238E27FC236}">
+                <a16:creationId xmlns:a16="http://schemas.microsoft.com/office/drawing/2014/main" id="{7C2F1208-B6E7-F910-4ABF-698BDF570A43}"/>
+              </a:ext>
+            </a:extLst>
+          </p:cNvPr>
+          <p:cNvSpPr txBox="1"/>
+          <p:nvPr/>
+        </p:nvSpPr>
+        <p:spPr>
+          <a:xfrm>
+            <a:off x="1093176" y="1229412"/>
+            <a:ext cx="10005647" cy="2862322"/>
+          </a:xfrm>
+          <a:prstGeom prst="rect">
+            <a:avLst/>
+          </a:prstGeom>
+          <a:noFill/>
+          <a:ln>
+            <a:solidFill>
+              <a:schemeClr val="tx1"/>
+            </a:solidFill>
+          </a:ln>
+        </p:spPr>
+        <p:txBody>
+          <a:bodyPr wrap="square" rtlCol="0">
+            <a:spAutoFit/>
+          </a:bodyPr>
+          <a:lstStyle/>
+          <a:p>
+            <a:r>
+              <a:rPr lang="en-US" sz="2000" dirty="0">
+                <a:solidFill>
+                  <a:schemeClr val="accent6">
+                    <a:lumMod val="75000"/>
+                  </a:schemeClr>
+                </a:solidFill>
+              </a:rPr>
+              <a:t>Recommendation:</a:t>
+            </a:r>
+          </a:p>
+          <a:p>
+            <a:r>
+              <a:rPr lang="en-US" sz="2000" dirty="0">
+                <a:solidFill>
+                  <a:schemeClr val="accent6">
+                    <a:lumMod val="75000"/>
+                  </a:schemeClr>
+                </a:solidFill>
+              </a:rPr>
+              <a:t>While the current record suggests selling, the Braves' recent competitive history and close Pythagorean record indicate potential for a turnaround. I recommend a balanced approach:</a:t>
+            </a:r>
+          </a:p>
+          <a:p>
+            <a:r>
+              <a:rPr lang="en-US" sz="2000" dirty="0">
+                <a:solidFill>
+                  <a:schemeClr val="accent6">
+                    <a:lumMod val="75000"/>
+                  </a:schemeClr>
+                </a:solidFill>
+              </a:rPr>
+              <a:t>- Make targeted, value-driven trades</a:t>
+            </a:r>
+          </a:p>
+          <a:p>
+            <a:r>
+              <a:rPr lang="en-US" sz="2000" dirty="0">
+                <a:solidFill>
+                  <a:schemeClr val="accent6">
+                    <a:lumMod val="75000"/>
+                  </a:schemeClr>
+                </a:solidFill>
+              </a:rPr>
+              <a:t>- Avoid complete fire sale</a:t>
+            </a:r>
+          </a:p>
+          <a:p>
+            <a:r>
+              <a:rPr lang="en-US" sz="2000" dirty="0">
+                <a:solidFill>
+                  <a:schemeClr val="accent6">
+                    <a:lumMod val="75000"/>
+                  </a:schemeClr>
+                </a:solidFill>
+              </a:rPr>
+              <a:t>- Focus on acquiring young, controllable talent</a:t>
+            </a:r>
+          </a:p>
+          <a:p>
+            <a:r>
+              <a:rPr lang="en-US" sz="2000" dirty="0">
+                <a:solidFill>
+                  <a:schemeClr val="accent6">
+                    <a:lumMod val="75000"/>
+                  </a:schemeClr>
+                </a:solidFill>
+              </a:rPr>
+              <a:t>- Maintain competitive core</a:t>
+            </a:r>
+          </a:p>
+          <a:p>
+            <a:endParaRPr lang="en-US" sz="2000" dirty="0">
+              <a:solidFill>
+                <a:schemeClr val="accent6">
+                  <a:lumMod val="75000"/>
+                </a:schemeClr>
+              </a:solidFill>
+            </a:endParaRPr>
+          </a:p>
+          <a:p>
+            <a:r>
+              <a:rPr lang="en-US" sz="2000" dirty="0">
+                <a:solidFill>
+                  <a:schemeClr val="accent6">
+                    <a:lumMod val="75000"/>
+                  </a:schemeClr>
+                </a:solidFill>
+              </a:rPr>
+              <a:t>Would you like me to dive deeper into specific trade targets or potential strategic moves?</a:t>
+            </a:r>
+          </a:p>
+        </p:txBody>
+      </p:sp>
+      <p:sp>
+        <p:nvSpPr>
+          <p:cNvPr id="3" name="TextBox 2">
+            <a:extLst>
+              <a:ext uri="{FF2B5EF4-FFF2-40B4-BE49-F238E27FC236}">
+                <a16:creationId xmlns:a16="http://schemas.microsoft.com/office/drawing/2014/main" id="{9CA52CD5-6D91-5B4F-1006-BF94E3948386}"/>
+              </a:ext>
+            </a:extLst>
+          </p:cNvPr>
+          <p:cNvSpPr txBox="1"/>
+          <p:nvPr/>
+        </p:nvSpPr>
+        <p:spPr>
+          <a:xfrm>
+            <a:off x="1093176" y="4966868"/>
+            <a:ext cx="10005647" cy="1323439"/>
+          </a:xfrm>
+          <a:prstGeom prst="rect">
+            <a:avLst/>
+          </a:prstGeom>
+          <a:noFill/>
+          <a:ln>
+            <a:solidFill>
+              <a:schemeClr val="tx1"/>
+            </a:solidFill>
+          </a:ln>
+        </p:spPr>
+        <p:txBody>
+          <a:bodyPr wrap="square" rtlCol="0">
+            <a:spAutoFit/>
+          </a:bodyPr>
+          <a:lstStyle/>
+          <a:p>
+            <a:r>
+              <a:rPr lang="en-US" sz="2000" dirty="0">
+                <a:solidFill>
+                  <a:schemeClr val="accent5">
+                    <a:lumMod val="75000"/>
+                  </a:schemeClr>
+                </a:solidFill>
+              </a:rPr>
+              <a:t>Based on your analysis so far, please propose some specific trade candidates on the Atlanta Braves and trade targets on other teams. Please verify that the trade targets are currently on the roster of the trade partners that you mention, and that the potential trade would not be rejected by the other team based on common sense.</a:t>
+            </a:r>
+          </a:p>
+        </p:txBody>
+      </p:sp>
+      <p:sp>
+        <p:nvSpPr>
+          <p:cNvPr id="4" name="TextBox 3">
+            <a:extLst>
+              <a:ext uri="{FF2B5EF4-FFF2-40B4-BE49-F238E27FC236}">
+                <a16:creationId xmlns:a16="http://schemas.microsoft.com/office/drawing/2014/main" id="{25BBD069-0050-1B32-D8B1-3D26CED086DD}"/>
+              </a:ext>
+            </a:extLst>
+          </p:cNvPr>
+          <p:cNvSpPr txBox="1"/>
+          <p:nvPr/>
+        </p:nvSpPr>
+        <p:spPr>
+          <a:xfrm>
+            <a:off x="3675014" y="4597536"/>
+            <a:ext cx="4632743" cy="369332"/>
+          </a:xfrm>
+          <a:prstGeom prst="rect">
+            <a:avLst/>
+          </a:prstGeom>
+          <a:noFill/>
+        </p:spPr>
+        <p:txBody>
+          <a:bodyPr wrap="none" rtlCol="0">
+            <a:spAutoFit/>
+          </a:bodyPr>
+          <a:lstStyle/>
+          <a:p>
+            <a:r>
+              <a:rPr lang="en-US" b="1" dirty="0"/>
+              <a:t>Canned User Response to Follow-up Questions</a:t>
+            </a:r>
+          </a:p>
+        </p:txBody>
+      </p:sp>
+    </p:spTree>
+    <p:extLst>
+      <p:ext uri="{BB962C8B-B14F-4D97-AF65-F5344CB8AC3E}">
+        <p14:creationId xmlns:p14="http://schemas.microsoft.com/office/powerpoint/2010/main" val="4241724476"/>
+      </p:ext>
+    </p:extLst>
+  </p:cSld>
+  <p:clrMapOvr>
+    <a:masterClrMapping/>
+  </p:clrMapOvr>
+</p:sld>
+</file>
+
+<file path=ppt/slides/slide19.xml><?xml version="1.0" encoding="utf-8"?>
 <p:sld xmlns:a="http://schemas.openxmlformats.org/drawingml/2006/main" xmlns:r="http://schemas.openxmlformats.org/officeDocument/2006/relationships" xmlns:p="http://schemas.openxmlformats.org/presentationml/2006/main">
   <p:cSld>
     <p:spTree>
@@ -5560,7 +5745,7 @@
         <p:spPr>
           <a:xfrm>
             <a:off x="1093176" y="1118880"/>
-            <a:ext cx="10005647" cy="3477875"/>
+            <a:ext cx="10005647" cy="1015663"/>
           </a:xfrm>
           <a:prstGeom prst="rect">
             <a:avLst/>
@@ -5586,107 +5771,59 @@
                   </a:schemeClr>
                 </a:solidFill>
               </a:rPr>
-              <a:t>Key Considerations:</a:t>
-            </a:r>
-          </a:p>
-          <a:p>
-            <a:r>
-              <a:rPr lang="en-US" sz="2000" dirty="0">
-                <a:solidFill>
-                  <a:schemeClr val="accent6">
-                    <a:lumMod val="75000"/>
-                  </a:schemeClr>
-                </a:solidFill>
-              </a:rPr>
-              <a:t>- Maintain young core talent</a:t>
-            </a:r>
-          </a:p>
-          <a:p>
-            <a:r>
-              <a:rPr lang="en-US" sz="2000" dirty="0">
-                <a:solidFill>
-                  <a:schemeClr val="accent6">
-                    <a:lumMod val="75000"/>
-                  </a:schemeClr>
-                </a:solidFill>
-              </a:rPr>
-              <a:t>- Balance short-term competitiveness with long-term organizational health</a:t>
-            </a:r>
-          </a:p>
-          <a:p>
-            <a:r>
-              <a:rPr lang="en-US" sz="2000" dirty="0">
-                <a:solidFill>
-                  <a:schemeClr val="accent6">
-                    <a:lumMod val="75000"/>
-                  </a:schemeClr>
-                </a:solidFill>
-              </a:rPr>
-              <a:t>- Leverage strong pitching development system</a:t>
-            </a:r>
-          </a:p>
-          <a:p>
-            <a:endParaRPr lang="en-US" sz="2000" dirty="0">
-              <a:solidFill>
-                <a:schemeClr val="accent6">
-                  <a:lumMod val="75000"/>
-                </a:schemeClr>
-              </a:solidFill>
-            </a:endParaRPr>
-          </a:p>
-          <a:p>
-            <a:r>
-              <a:rPr lang="en-US" sz="2000" dirty="0">
-                <a:solidFill>
-                  <a:schemeClr val="accent6">
-                    <a:lumMod val="75000"/>
-                  </a:schemeClr>
-                </a:solidFill>
-              </a:rPr>
-              <a:t>Recommendation:</a:t>
-            </a:r>
-          </a:p>
-          <a:p>
-            <a:r>
-              <a:rPr lang="en-US" sz="2000" dirty="0">
-                <a:solidFill>
-                  <a:schemeClr val="accent6">
-                    <a:lumMod val="75000"/>
-                  </a:schemeClr>
-                </a:solidFill>
-              </a:rPr>
-              <a:t>Be moderately aggressive. Make targeted trades to improve offensive output without mortgaging the future. The Pythagorean record suggests this team is closer to .500 than their current record indicates, so strategic moves could spark a turnaround.</a:t>
-            </a:r>
-          </a:p>
-          <a:p>
-            <a:endParaRPr lang="en-US" sz="2000" dirty="0">
-              <a:solidFill>
-                <a:schemeClr val="accent6">
-                  <a:lumMod val="75000"/>
-                </a:schemeClr>
-              </a:solidFill>
-            </a:endParaRPr>
-          </a:p>
-          <a:p>
-            <a:r>
-              <a:rPr lang="en-US" sz="2000" dirty="0">
-                <a:solidFill>
-                  <a:schemeClr val="accent6">
-                    <a:lumMod val="75000"/>
-                  </a:schemeClr>
-                </a:solidFill>
-              </a:rPr>
-              <a:t>Would you like me to elaborate on any specific aspect of this trade deadline analysis?</a:t>
-            </a:r>
-          </a:p>
-        </p:txBody>
-      </p:sp>
-      <p:sp>
-        <p:nvSpPr>
-          <p:cNvPr id="3" name="TextBox 2">
-            <a:extLst>
-              <a:ext uri="{FF2B5EF4-FFF2-40B4-BE49-F238E27FC236}">
-                <a16:creationId xmlns:a16="http://schemas.microsoft.com/office/drawing/2014/main" id="{36681229-E2B8-8557-BD31-97A2B7FD3EB6}"/>
+              <a:t>I'll help you identify potential trade candidates from the Braves and potential trade targets from other teams. I'll verify the players' current team and their potential fit. Let me start by getting the Braves' current roster.</a:t>
+            </a:r>
+          </a:p>
+        </p:txBody>
+      </p:sp>
+      <p:pic>
+        <p:nvPicPr>
+          <p:cNvPr id="5" name="Picture 4">
+            <a:extLst>
+              <a:ext uri="{FF2B5EF4-FFF2-40B4-BE49-F238E27FC236}">
+                <a16:creationId xmlns:a16="http://schemas.microsoft.com/office/drawing/2014/main" id="{EA52E4E9-408A-17DF-CEE5-5715B4A8CB03}"/>
+              </a:ext>
+            </a:extLst>
+          </p:cNvPr>
+          <p:cNvPicPr>
+            <a:picLocks noChangeAspect="1"/>
+          </p:cNvPicPr>
+          <p:nvPr/>
+        </p:nvPicPr>
+        <p:blipFill>
+          <a:blip r:embed="rId2">
+            <a:extLst>
+              <a:ext uri="{28A0092B-C50C-407E-A947-70E740481C1C}">
+                <a14:useLocalDpi xmlns:a14="http://schemas.microsoft.com/office/drawing/2010/main" val="0"/>
+              </a:ext>
+            </a:extLst>
+          </a:blip>
+          <a:srcRect l="3571" t="46695" r="29169" b="47927"/>
+          <a:stretch>
+            <a:fillRect/>
+          </a:stretch>
+        </p:blipFill>
+        <p:spPr>
+          <a:xfrm>
+            <a:off x="845735" y="2282294"/>
+            <a:ext cx="10500528" cy="472273"/>
+          </a:xfrm>
+          <a:prstGeom prst="rect">
+            <a:avLst/>
+          </a:prstGeom>
+          <a:ln>
+            <a:solidFill>
+              <a:schemeClr val="tx1"/>
+            </a:solidFill>
+          </a:ln>
+        </p:spPr>
+      </p:pic>
+      <p:sp>
+        <p:nvSpPr>
+          <p:cNvPr id="6" name="TextBox 5">
+            <a:extLst>
+              <a:ext uri="{FF2B5EF4-FFF2-40B4-BE49-F238E27FC236}">
+                <a16:creationId xmlns:a16="http://schemas.microsoft.com/office/drawing/2014/main" id="{3CB62C49-57FE-EEC8-DDAC-45145CE64E7A}"/>
               </a:ext>
             </a:extLst>
           </p:cNvPr>
@@ -5695,8 +5832,8 @@
         </p:nvSpPr>
         <p:spPr>
           <a:xfrm>
-            <a:off x="1093176" y="5385177"/>
-            <a:ext cx="10005647" cy="707886"/>
+            <a:off x="1093175" y="2946237"/>
+            <a:ext cx="10005647" cy="3477875"/>
           </a:xfrm>
           <a:prstGeom prst="rect">
             <a:avLst/>
@@ -5717,256 +5854,16 @@
             <a:r>
               <a:rPr lang="en-US" sz="2000" dirty="0">
                 <a:solidFill>
-                  <a:schemeClr val="accent5">
-                    <a:lumMod val="75000"/>
-                  </a:schemeClr>
-                </a:solidFill>
-              </a:rPr>
-              <a:t>Yes, please give me more specifics on which players are good trade candidates, and which trade partners might be interested in them.</a:t>
-            </a:r>
-          </a:p>
-        </p:txBody>
-      </p:sp>
-      <p:sp>
-        <p:nvSpPr>
-          <p:cNvPr id="4" name="TextBox 3">
-            <a:extLst>
-              <a:ext uri="{FF2B5EF4-FFF2-40B4-BE49-F238E27FC236}">
-                <a16:creationId xmlns:a16="http://schemas.microsoft.com/office/drawing/2014/main" id="{50FAD21E-B3AF-E285-2B5B-1991D7DE8BAB}"/>
-              </a:ext>
-            </a:extLst>
-          </p:cNvPr>
-          <p:cNvSpPr txBox="1"/>
-          <p:nvPr/>
-        </p:nvSpPr>
-        <p:spPr>
-          <a:xfrm>
-            <a:off x="3675014" y="5015845"/>
-            <a:ext cx="4632743" cy="369332"/>
-          </a:xfrm>
-          <a:prstGeom prst="rect">
-            <a:avLst/>
-          </a:prstGeom>
-          <a:noFill/>
-        </p:spPr>
-        <p:txBody>
-          <a:bodyPr wrap="none" rtlCol="0">
-            <a:spAutoFit/>
-          </a:bodyPr>
-          <a:lstStyle/>
-          <a:p>
-            <a:r>
-              <a:rPr lang="en-US" b="1" dirty="0"/>
-              <a:t>Canned User Response to Follow-up Questions</a:t>
-            </a:r>
-          </a:p>
-        </p:txBody>
-      </p:sp>
-    </p:spTree>
-    <p:extLst>
-      <p:ext uri="{BB962C8B-B14F-4D97-AF65-F5344CB8AC3E}">
-        <p14:creationId xmlns:p14="http://schemas.microsoft.com/office/powerpoint/2010/main" val="4261059345"/>
-      </p:ext>
-    </p:extLst>
-  </p:cSld>
-  <p:clrMapOvr>
-    <a:masterClrMapping/>
-  </p:clrMapOvr>
-</p:sld>
-</file>
-
-<file path=ppt/slides/slide19.xml><?xml version="1.0" encoding="utf-8"?>
-<p:sld xmlns:a="http://schemas.openxmlformats.org/drawingml/2006/main" xmlns:r="http://schemas.openxmlformats.org/officeDocument/2006/relationships" xmlns:p="http://schemas.openxmlformats.org/presentationml/2006/main">
-  <p:cSld>
-    <p:spTree>
-      <p:nvGrpSpPr>
-        <p:cNvPr id="1" name="">
-          <a:extLst>
-            <a:ext uri="{FF2B5EF4-FFF2-40B4-BE49-F238E27FC236}">
-              <a16:creationId xmlns:a16="http://schemas.microsoft.com/office/drawing/2014/main" id="{7F2F2BA7-81BB-4580-A132-3B5DAB5007D6}"/>
-            </a:ext>
-          </a:extLst>
-        </p:cNvPr>
-        <p:cNvGrpSpPr/>
-        <p:nvPr/>
-      </p:nvGrpSpPr>
-      <p:grpSpPr>
-        <a:xfrm>
-          <a:off x="0" y="0"/>
-          <a:ext cx="0" cy="0"/>
-          <a:chOff x="0" y="0"/>
-          <a:chExt cx="0" cy="0"/>
-        </a:xfrm>
-      </p:grpSpPr>
-      <p:sp>
-        <p:nvSpPr>
-          <p:cNvPr id="2" name="Title 1">
-            <a:extLst>
-              <a:ext uri="{FF2B5EF4-FFF2-40B4-BE49-F238E27FC236}">
-                <a16:creationId xmlns:a16="http://schemas.microsoft.com/office/drawing/2014/main" id="{6F2E7E36-658D-E09E-CDB3-1847B7BCDC04}"/>
-              </a:ext>
-            </a:extLst>
-          </p:cNvPr>
-          <p:cNvSpPr>
-            <a:spLocks noGrp="1"/>
-          </p:cNvSpPr>
-          <p:nvPr>
-            <p:ph type="title"/>
-          </p:nvPr>
-        </p:nvSpPr>
-        <p:spPr>
-          <a:xfrm>
-            <a:off x="386024" y="127478"/>
-            <a:ext cx="5181600" cy="760290"/>
-          </a:xfrm>
-        </p:spPr>
-        <p:txBody>
-          <a:bodyPr>
-            <a:normAutofit/>
-          </a:bodyPr>
-          <a:lstStyle/>
-          <a:p>
-            <a:r>
-              <a:rPr lang="en-US" sz="3200" b="1" dirty="0"/>
-              <a:t>Tool Use LLM - Response</a:t>
-            </a:r>
-          </a:p>
-        </p:txBody>
-      </p:sp>
-      <p:sp>
-        <p:nvSpPr>
-          <p:cNvPr id="7" name="TextBox 6">
-            <a:extLst>
-              <a:ext uri="{FF2B5EF4-FFF2-40B4-BE49-F238E27FC236}">
-                <a16:creationId xmlns:a16="http://schemas.microsoft.com/office/drawing/2014/main" id="{F21D2F37-F60C-AF80-B20D-F5E972C053F5}"/>
-              </a:ext>
-            </a:extLst>
-          </p:cNvPr>
-          <p:cNvSpPr txBox="1"/>
-          <p:nvPr/>
-        </p:nvSpPr>
-        <p:spPr>
-          <a:xfrm>
-            <a:off x="1093176" y="1118880"/>
-            <a:ext cx="10005647" cy="707886"/>
-          </a:xfrm>
-          <a:prstGeom prst="rect">
-            <a:avLst/>
-          </a:prstGeom>
-          <a:noFill/>
-          <a:ln>
-            <a:solidFill>
-              <a:schemeClr val="tx1"/>
-            </a:solidFill>
-          </a:ln>
-        </p:spPr>
-        <p:txBody>
-          <a:bodyPr wrap="square" rtlCol="0">
-            <a:spAutoFit/>
-          </a:bodyPr>
-          <a:lstStyle/>
-          <a:p>
-            <a:r>
-              <a:rPr lang="en-US" sz="2000" dirty="0">
-                <a:solidFill>
-                  <a:schemeClr val="accent6">
-                    <a:lumMod val="75000"/>
-                  </a:schemeClr>
-                </a:solidFill>
-              </a:rPr>
-              <a:t>I'll dive deeper into potential trade candidates from the Braves' roster and analyze potential trade partners. To do this effectively, I'll first look at the Braves' current roster:</a:t>
-            </a:r>
-          </a:p>
-        </p:txBody>
-      </p:sp>
-      <p:pic>
-        <p:nvPicPr>
-          <p:cNvPr id="5" name="Picture 4">
-            <a:extLst>
-              <a:ext uri="{FF2B5EF4-FFF2-40B4-BE49-F238E27FC236}">
-                <a16:creationId xmlns:a16="http://schemas.microsoft.com/office/drawing/2014/main" id="{197F1812-3C47-5D15-0CCD-0E393BA4D4BF}"/>
-              </a:ext>
-            </a:extLst>
-          </p:cNvPr>
-          <p:cNvPicPr>
-            <a:picLocks noChangeAspect="1"/>
-          </p:cNvPicPr>
-          <p:nvPr/>
-        </p:nvPicPr>
-        <p:blipFill>
-          <a:blip r:embed="rId2">
-            <a:extLst>
-              <a:ext uri="{28A0092B-C50C-407E-A947-70E740481C1C}">
-                <a14:useLocalDpi xmlns:a14="http://schemas.microsoft.com/office/drawing/2010/main" val="0"/>
-              </a:ext>
-            </a:extLst>
-          </a:blip>
-          <a:srcRect l="3571" t="46695" r="29169" b="47927"/>
-          <a:stretch>
-            <a:fillRect/>
-          </a:stretch>
-        </p:blipFill>
-        <p:spPr>
-          <a:xfrm>
-            <a:off x="845735" y="1977494"/>
-            <a:ext cx="10500528" cy="472273"/>
-          </a:xfrm>
-          <a:prstGeom prst="rect">
-            <a:avLst/>
-          </a:prstGeom>
-          <a:ln>
-            <a:solidFill>
-              <a:schemeClr val="tx1"/>
-            </a:solidFill>
-          </a:ln>
-        </p:spPr>
-      </p:pic>
-      <p:sp>
-        <p:nvSpPr>
-          <p:cNvPr id="6" name="TextBox 5">
-            <a:extLst>
-              <a:ext uri="{FF2B5EF4-FFF2-40B4-BE49-F238E27FC236}">
-                <a16:creationId xmlns:a16="http://schemas.microsoft.com/office/drawing/2014/main" id="{F80D9ABF-475E-43E4-64D4-89478C8A12E5}"/>
-              </a:ext>
-            </a:extLst>
-          </p:cNvPr>
-          <p:cNvSpPr txBox="1"/>
-          <p:nvPr/>
-        </p:nvSpPr>
-        <p:spPr>
-          <a:xfrm>
-            <a:off x="1093176" y="2570346"/>
-            <a:ext cx="10005647" cy="4247317"/>
-          </a:xfrm>
-          <a:prstGeom prst="rect">
-            <a:avLst/>
-          </a:prstGeom>
-          <a:noFill/>
-          <a:ln>
-            <a:solidFill>
-              <a:schemeClr val="tx1"/>
-            </a:solidFill>
-          </a:ln>
-        </p:spPr>
-        <p:txBody>
-          <a:bodyPr wrap="square" rtlCol="0">
-            <a:spAutoFit/>
-          </a:bodyPr>
-          <a:lstStyle/>
-          <a:p>
-            <a:r>
-              <a:rPr lang="en-US" dirty="0">
-                <a:solidFill>
-                  <a:schemeClr val="accent6">
-                    <a:lumMod val="75000"/>
-                  </a:schemeClr>
-                </a:solidFill>
-              </a:rPr>
-              <a:t>Let's analyze some specific trade candidates and potential partners:</a:t>
-            </a:r>
-          </a:p>
-          <a:p>
-            <a:endParaRPr lang="en-US" dirty="0">
+                  <a:schemeClr val="accent6">
+                    <a:lumMod val="75000"/>
+                  </a:schemeClr>
+                </a:solidFill>
+              </a:rPr>
+              <a:t>Potential Braves Trade Candidates:</a:t>
+            </a:r>
+          </a:p>
+          <a:p>
+            <a:endParaRPr lang="en-US" sz="2000" dirty="0">
               <a:solidFill>
                 <a:schemeClr val="accent6">
                   <a:lumMod val="75000"/>
@@ -5976,18 +5873,66 @@
           </a:p>
           <a:p>
             <a:r>
-              <a:rPr lang="en-US" dirty="0">
-                <a:solidFill>
-                  <a:schemeClr val="accent6">
-                    <a:lumMod val="75000"/>
-                  </a:schemeClr>
-                </a:solidFill>
-              </a:rPr>
-              <a:t>Trade Candidates:</a:t>
-            </a:r>
-          </a:p>
-          <a:p>
-            <a:endParaRPr lang="en-US" dirty="0">
+              <a:rPr lang="en-US" sz="2000" dirty="0">
+                <a:solidFill>
+                  <a:schemeClr val="accent6">
+                    <a:lumMod val="75000"/>
+                  </a:schemeClr>
+                </a:solidFill>
+              </a:rPr>
+              <a:t>1. Selling Candidates:</a:t>
+            </a:r>
+          </a:p>
+          <a:p>
+            <a:r>
+              <a:rPr lang="en-US" sz="2000" dirty="0">
+                <a:solidFill>
+                  <a:schemeClr val="accent6">
+                    <a:lumMod val="75000"/>
+                  </a:schemeClr>
+                </a:solidFill>
+              </a:rPr>
+              <a:t>- Marcell Ozuna (DH): Veteran with declining performance</a:t>
+            </a:r>
+          </a:p>
+          <a:p>
+            <a:r>
+              <a:rPr lang="en-US" sz="2000" dirty="0">
+                <a:solidFill>
+                  <a:schemeClr val="accent6">
+                    <a:lumMod val="75000"/>
+                  </a:schemeClr>
+                </a:solidFill>
+              </a:rPr>
+              <a:t>- Jesse Chavez (Pitcher): Veteran reliever with potential trade value</a:t>
+            </a:r>
+          </a:p>
+          <a:p>
+            <a:r>
+              <a:rPr lang="en-US" sz="2000" dirty="0">
+                <a:solidFill>
+                  <a:schemeClr val="accent6">
+                    <a:lumMod val="75000"/>
+                  </a:schemeClr>
+                </a:solidFill>
+              </a:rPr>
+              <a:t>- Reynaldo Lopez (Pitcher): Versatile arm that could attract interest</a:t>
+            </a:r>
+          </a:p>
+          <a:p>
+            <a:r>
+              <a:rPr lang="en-US" sz="2000" dirty="0">
+                <a:solidFill>
+                  <a:schemeClr val="accent6">
+                    <a:lumMod val="75000"/>
+                  </a:schemeClr>
+                </a:solidFill>
+              </a:rPr>
+              <a:t>- Pierce Johnson (Pitcher): Bullpen depth piece</a:t>
+            </a:r>
+          </a:p>
+          <a:p>
+            <a:endParaRPr lang="en-US" sz="2000" dirty="0">
               <a:solidFill>
                 <a:schemeClr val="accent6">
                   <a:lumMod val="75000"/>
@@ -5997,154 +5942,35 @@
           </a:p>
           <a:p>
             <a:r>
-              <a:rPr lang="en-US" dirty="0">
-                <a:solidFill>
-                  <a:schemeClr val="accent6">
-                    <a:lumMod val="75000"/>
-                  </a:schemeClr>
-                </a:solidFill>
-              </a:rPr>
-              <a:t>1. Marcell Ozuna (Designated Hitter)</a:t>
-            </a:r>
-          </a:p>
-          <a:p>
-            <a:r>
-              <a:rPr lang="en-US" dirty="0">
-                <a:solidFill>
-                  <a:schemeClr val="accent6">
-                    <a:lumMod val="75000"/>
-                  </a:schemeClr>
-                </a:solidFill>
-              </a:rPr>
-              <a:t>- Pros: Veteran power hitter</a:t>
-            </a:r>
-          </a:p>
-          <a:p>
-            <a:r>
-              <a:rPr lang="en-US" dirty="0">
-                <a:solidFill>
-                  <a:schemeClr val="accent6">
-                    <a:lumMod val="75000"/>
-                  </a:schemeClr>
-                </a:solidFill>
-              </a:rPr>
-              <a:t>- Cons: Declining performance, expensive contract</a:t>
-            </a:r>
-          </a:p>
-          <a:p>
-            <a:r>
-              <a:rPr lang="en-US" dirty="0">
-                <a:solidFill>
-                  <a:schemeClr val="accent6">
-                    <a:lumMod val="75000"/>
-                  </a:schemeClr>
-                </a:solidFill>
-              </a:rPr>
-              <a:t>- Potential Trade Partners:</a:t>
-            </a:r>
-          </a:p>
-          <a:p>
-            <a:r>
-              <a:rPr lang="en-US" dirty="0">
-                <a:solidFill>
-                  <a:schemeClr val="accent6">
-                    <a:lumMod val="75000"/>
-                  </a:schemeClr>
-                </a:solidFill>
-              </a:rPr>
-              <a:t>  a) Oakland Athletics (need power, low payroll)</a:t>
-            </a:r>
-          </a:p>
-          <a:p>
-            <a:r>
-              <a:rPr lang="en-US" dirty="0">
-                <a:solidFill>
-                  <a:schemeClr val="accent6">
-                    <a:lumMod val="75000"/>
-                  </a:schemeClr>
-                </a:solidFill>
-              </a:rPr>
-              <a:t>  b) Kansas City Royals (looking to add veteran presence)</a:t>
-            </a:r>
-          </a:p>
-          <a:p>
-            <a:r>
-              <a:rPr lang="en-US" dirty="0">
-                <a:solidFill>
-                  <a:schemeClr val="accent6">
-                    <a:lumMod val="75000"/>
-                  </a:schemeClr>
-                </a:solidFill>
-              </a:rPr>
-              <a:t>- Trade Value: Likely mid-tier prospect or salary relief</a:t>
-            </a:r>
-          </a:p>
-          <a:p>
-            <a:r>
-              <a:rPr lang="en-US" dirty="0">
-                <a:solidFill>
-                  <a:schemeClr val="accent6">
-                    <a:lumMod val="75000"/>
-                  </a:schemeClr>
-                </a:solidFill>
-              </a:rPr>
-              <a:t>b) Infield Depth:</a:t>
-            </a:r>
-          </a:p>
-          <a:p>
-            <a:r>
-              <a:rPr lang="en-US" dirty="0">
-                <a:solidFill>
-                  <a:schemeClr val="accent6">
-                    <a:lumMod val="75000"/>
-                  </a:schemeClr>
-                </a:solidFill>
-              </a:rPr>
-              <a:t>- Target: </a:t>
-            </a:r>
-            <a:r>
-              <a:rPr lang="en-US" dirty="0" err="1">
-                <a:solidFill>
-                  <a:schemeClr val="accent6">
-                    <a:lumMod val="75000"/>
-                  </a:schemeClr>
-                </a:solidFill>
-              </a:rPr>
-              <a:t>Jeimer</a:t>
-            </a:r>
-            <a:r>
-              <a:rPr lang="en-US" dirty="0">
-                <a:solidFill>
-                  <a:schemeClr val="accent6">
-                    <a:lumMod val="75000"/>
-                  </a:schemeClr>
-                </a:solidFill>
-              </a:rPr>
-              <a:t> Candelario (Washington Nationals)</a:t>
-            </a:r>
-          </a:p>
-          <a:p>
-            <a:r>
-              <a:rPr lang="en-US" dirty="0">
-                <a:solidFill>
-                  <a:schemeClr val="accent6">
-                    <a:lumMod val="75000"/>
-                  </a:schemeClr>
-                </a:solidFill>
-              </a:rPr>
-              <a:t>- Rationale: Versatile infielder with power potential</a:t>
-            </a:r>
-          </a:p>
-          <a:p>
-            <a:r>
-              <a:rPr lang="en-US" dirty="0">
-                <a:solidFill>
-                  <a:schemeClr val="accent6">
-                    <a:lumMod val="75000"/>
-                  </a:schemeClr>
-                </a:solidFill>
-              </a:rPr>
-              <a:t>- Potential trade package: Lower-tier pitching prospect</a:t>
+              <a:rPr lang="en-US" sz="2000" dirty="0">
+                <a:solidFill>
+                  <a:schemeClr val="accent6">
+                    <a:lumMod val="75000"/>
+                  </a:schemeClr>
+                </a:solidFill>
+              </a:rPr>
+              <a:t>2. Potential Trade Targets:</a:t>
+            </a:r>
+          </a:p>
+          <a:p>
+            <a:endParaRPr lang="en-US" sz="2000" dirty="0">
+              <a:solidFill>
+                <a:schemeClr val="accent6">
+                  <a:lumMod val="75000"/>
+                </a:schemeClr>
+              </a:solidFill>
+            </a:endParaRPr>
+          </a:p>
+          <a:p>
+            <a:r>
+              <a:rPr lang="en-US" sz="2000" dirty="0">
+                <a:solidFill>
+                  <a:schemeClr val="accent6">
+                    <a:lumMod val="75000"/>
+                  </a:schemeClr>
+                </a:solidFill>
+              </a:rPr>
+              <a:t>Let me verify some potential trade targets by checking their current teams:</a:t>
             </a:r>
           </a:p>
         </p:txBody>
@@ -6152,7 +5978,7 @@
     </p:spTree>
     <p:extLst>
       <p:ext uri="{BB962C8B-B14F-4D97-AF65-F5344CB8AC3E}">
-        <p14:creationId xmlns:p14="http://schemas.microsoft.com/office/powerpoint/2010/main" val="2817614805"/>
+        <p14:creationId xmlns:p14="http://schemas.microsoft.com/office/powerpoint/2010/main" val="4261059345"/>
       </p:ext>
     </p:extLst>
   </p:cSld>
@@ -6321,6 +6147,544 @@
         <p:cNvPr id="1" name="">
           <a:extLst>
             <a:ext uri="{FF2B5EF4-FFF2-40B4-BE49-F238E27FC236}">
+              <a16:creationId xmlns:a16="http://schemas.microsoft.com/office/drawing/2014/main" id="{7F2F2BA7-81BB-4580-A132-3B5DAB5007D6}"/>
+            </a:ext>
+          </a:extLst>
+        </p:cNvPr>
+        <p:cNvGrpSpPr/>
+        <p:nvPr/>
+      </p:nvGrpSpPr>
+      <p:grpSpPr>
+        <a:xfrm>
+          <a:off x="0" y="0"/>
+          <a:ext cx="0" cy="0"/>
+          <a:chOff x="0" y="0"/>
+          <a:chExt cx="0" cy="0"/>
+        </a:xfrm>
+      </p:grpSpPr>
+      <p:sp>
+        <p:nvSpPr>
+          <p:cNvPr id="2" name="Title 1">
+            <a:extLst>
+              <a:ext uri="{FF2B5EF4-FFF2-40B4-BE49-F238E27FC236}">
+                <a16:creationId xmlns:a16="http://schemas.microsoft.com/office/drawing/2014/main" id="{6F2E7E36-658D-E09E-CDB3-1847B7BCDC04}"/>
+              </a:ext>
+            </a:extLst>
+          </p:cNvPr>
+          <p:cNvSpPr>
+            <a:spLocks noGrp="1"/>
+          </p:cNvSpPr>
+          <p:nvPr>
+            <p:ph type="title"/>
+          </p:nvPr>
+        </p:nvSpPr>
+        <p:spPr>
+          <a:xfrm>
+            <a:off x="386024" y="127478"/>
+            <a:ext cx="5181600" cy="760290"/>
+          </a:xfrm>
+        </p:spPr>
+        <p:txBody>
+          <a:bodyPr>
+            <a:normAutofit/>
+          </a:bodyPr>
+          <a:lstStyle/>
+          <a:p>
+            <a:r>
+              <a:rPr lang="en-US" sz="3200" b="1" dirty="0"/>
+              <a:t>Tool Use LLM - Response</a:t>
+            </a:r>
+          </a:p>
+        </p:txBody>
+      </p:sp>
+      <p:pic>
+        <p:nvPicPr>
+          <p:cNvPr id="3" name="Picture 2">
+            <a:extLst>
+              <a:ext uri="{FF2B5EF4-FFF2-40B4-BE49-F238E27FC236}">
+                <a16:creationId xmlns:a16="http://schemas.microsoft.com/office/drawing/2014/main" id="{48930E84-A807-0C57-3745-1868140C3894}"/>
+              </a:ext>
+            </a:extLst>
+          </p:cNvPr>
+          <p:cNvPicPr>
+            <a:picLocks noChangeAspect="1"/>
+          </p:cNvPicPr>
+          <p:nvPr/>
+        </p:nvPicPr>
+        <p:blipFill>
+          <a:blip r:embed="rId2">
+            <a:extLst>
+              <a:ext uri="{28A0092B-C50C-407E-A947-70E740481C1C}">
+                <a14:useLocalDpi xmlns:a14="http://schemas.microsoft.com/office/drawing/2010/main" val="0"/>
+              </a:ext>
+            </a:extLst>
+          </a:blip>
+          <a:srcRect l="2994" t="65815" r="28926" b="29034"/>
+          <a:stretch>
+            <a:fillRect/>
+          </a:stretch>
+        </p:blipFill>
+        <p:spPr>
+          <a:xfrm>
+            <a:off x="734039" y="887768"/>
+            <a:ext cx="10628672" cy="452283"/>
+          </a:xfrm>
+          <a:prstGeom prst="rect">
+            <a:avLst/>
+          </a:prstGeom>
+          <a:ln>
+            <a:solidFill>
+              <a:schemeClr val="tx1"/>
+            </a:solidFill>
+          </a:ln>
+        </p:spPr>
+      </p:pic>
+      <p:pic>
+        <p:nvPicPr>
+          <p:cNvPr id="4" name="Picture 3">
+            <a:extLst>
+              <a:ext uri="{FF2B5EF4-FFF2-40B4-BE49-F238E27FC236}">
+                <a16:creationId xmlns:a16="http://schemas.microsoft.com/office/drawing/2014/main" id="{9A26FD3A-9F37-B00C-2257-23C6F5D06691}"/>
+              </a:ext>
+            </a:extLst>
+          </p:cNvPr>
+          <p:cNvPicPr>
+            <a:picLocks noChangeAspect="1"/>
+          </p:cNvPicPr>
+          <p:nvPr/>
+        </p:nvPicPr>
+        <p:blipFill>
+          <a:blip r:embed="rId2">
+            <a:extLst>
+              <a:ext uri="{28A0092B-C50C-407E-A947-70E740481C1C}">
+                <a14:useLocalDpi xmlns:a14="http://schemas.microsoft.com/office/drawing/2010/main" val="0"/>
+              </a:ext>
+            </a:extLst>
+          </a:blip>
+          <a:srcRect l="3571" t="46695" r="29169" b="47927"/>
+          <a:stretch>
+            <a:fillRect/>
+          </a:stretch>
+        </p:blipFill>
+        <p:spPr>
+          <a:xfrm>
+            <a:off x="734039" y="1461707"/>
+            <a:ext cx="10500528" cy="472273"/>
+          </a:xfrm>
+          <a:prstGeom prst="rect">
+            <a:avLst/>
+          </a:prstGeom>
+          <a:ln>
+            <a:solidFill>
+              <a:schemeClr val="tx1"/>
+            </a:solidFill>
+          </a:ln>
+        </p:spPr>
+      </p:pic>
+      <p:pic>
+        <p:nvPicPr>
+          <p:cNvPr id="8" name="Picture 7">
+            <a:extLst>
+              <a:ext uri="{FF2B5EF4-FFF2-40B4-BE49-F238E27FC236}">
+                <a16:creationId xmlns:a16="http://schemas.microsoft.com/office/drawing/2014/main" id="{01252866-5B5C-BD4F-B15F-6253D0FF8524}"/>
+              </a:ext>
+            </a:extLst>
+          </p:cNvPr>
+          <p:cNvPicPr>
+            <a:picLocks noChangeAspect="1"/>
+          </p:cNvPicPr>
+          <p:nvPr/>
+        </p:nvPicPr>
+        <p:blipFill>
+          <a:blip r:embed="rId2">
+            <a:extLst>
+              <a:ext uri="{28A0092B-C50C-407E-A947-70E740481C1C}">
+                <a14:useLocalDpi xmlns:a14="http://schemas.microsoft.com/office/drawing/2010/main" val="0"/>
+              </a:ext>
+            </a:extLst>
+          </a:blip>
+          <a:srcRect l="2994" t="65815" r="28926" b="29034"/>
+          <a:stretch>
+            <a:fillRect/>
+          </a:stretch>
+        </p:blipFill>
+        <p:spPr>
+          <a:xfrm>
+            <a:off x="734039" y="2055636"/>
+            <a:ext cx="10628672" cy="452283"/>
+          </a:xfrm>
+          <a:prstGeom prst="rect">
+            <a:avLst/>
+          </a:prstGeom>
+          <a:ln>
+            <a:solidFill>
+              <a:schemeClr val="tx1"/>
+            </a:solidFill>
+          </a:ln>
+        </p:spPr>
+      </p:pic>
+      <p:pic>
+        <p:nvPicPr>
+          <p:cNvPr id="9" name="Picture 8">
+            <a:extLst>
+              <a:ext uri="{FF2B5EF4-FFF2-40B4-BE49-F238E27FC236}">
+                <a16:creationId xmlns:a16="http://schemas.microsoft.com/office/drawing/2014/main" id="{051578F7-EBBF-3083-01F9-07374F0E87B7}"/>
+              </a:ext>
+            </a:extLst>
+          </p:cNvPr>
+          <p:cNvPicPr>
+            <a:picLocks noChangeAspect="1"/>
+          </p:cNvPicPr>
+          <p:nvPr/>
+        </p:nvPicPr>
+        <p:blipFill>
+          <a:blip r:embed="rId2">
+            <a:extLst>
+              <a:ext uri="{28A0092B-C50C-407E-A947-70E740481C1C}">
+                <a14:useLocalDpi xmlns:a14="http://schemas.microsoft.com/office/drawing/2010/main" val="0"/>
+              </a:ext>
+            </a:extLst>
+          </a:blip>
+          <a:srcRect l="3571" t="46695" r="29169" b="47927"/>
+          <a:stretch>
+            <a:fillRect/>
+          </a:stretch>
+        </p:blipFill>
+        <p:spPr>
+          <a:xfrm>
+            <a:off x="734039" y="2629575"/>
+            <a:ext cx="10500528" cy="472273"/>
+          </a:xfrm>
+          <a:prstGeom prst="rect">
+            <a:avLst/>
+          </a:prstGeom>
+          <a:ln>
+            <a:solidFill>
+              <a:schemeClr val="tx1"/>
+            </a:solidFill>
+          </a:ln>
+        </p:spPr>
+      </p:pic>
+      <p:sp>
+        <p:nvSpPr>
+          <p:cNvPr id="10" name="TextBox 9">
+            <a:extLst>
+              <a:ext uri="{FF2B5EF4-FFF2-40B4-BE49-F238E27FC236}">
+                <a16:creationId xmlns:a16="http://schemas.microsoft.com/office/drawing/2014/main" id="{001F3842-FEA8-1EA7-606E-885B599CE28D}"/>
+              </a:ext>
+            </a:extLst>
+          </p:cNvPr>
+          <p:cNvSpPr txBox="1"/>
+          <p:nvPr/>
+        </p:nvSpPr>
+        <p:spPr>
+          <a:xfrm>
+            <a:off x="5647319" y="1123153"/>
+            <a:ext cx="921021" cy="461665"/>
+          </a:xfrm>
+          <a:prstGeom prst="rect">
+            <a:avLst/>
+          </a:prstGeom>
+          <a:solidFill>
+            <a:schemeClr val="bg1"/>
+          </a:solidFill>
+        </p:spPr>
+        <p:txBody>
+          <a:bodyPr wrap="none" rtlCol="0">
+            <a:spAutoFit/>
+          </a:bodyPr>
+          <a:lstStyle/>
+          <a:p>
+            <a:r>
+              <a:rPr lang="en-US" sz="2400" b="1" dirty="0">
+                <a:solidFill>
+                  <a:schemeClr val="accent6">
+                    <a:lumMod val="75000"/>
+                  </a:schemeClr>
+                </a:solidFill>
+              </a:rPr>
+              <a:t>Twins</a:t>
+            </a:r>
+            <a:endParaRPr lang="en-US" sz="2800" b="1" dirty="0">
+              <a:solidFill>
+                <a:schemeClr val="accent6">
+                  <a:lumMod val="75000"/>
+                </a:schemeClr>
+              </a:solidFill>
+            </a:endParaRPr>
+          </a:p>
+        </p:txBody>
+      </p:sp>
+      <p:sp>
+        <p:nvSpPr>
+          <p:cNvPr id="11" name="TextBox 10">
+            <a:extLst>
+              <a:ext uri="{FF2B5EF4-FFF2-40B4-BE49-F238E27FC236}">
+                <a16:creationId xmlns:a16="http://schemas.microsoft.com/office/drawing/2014/main" id="{FCAFAC35-3B71-57B7-04BE-8E7ECF0ADCAD}"/>
+              </a:ext>
+            </a:extLst>
+          </p:cNvPr>
+          <p:cNvSpPr txBox="1"/>
+          <p:nvPr/>
+        </p:nvSpPr>
+        <p:spPr>
+          <a:xfrm>
+            <a:off x="5605802" y="2399470"/>
+            <a:ext cx="1044004" cy="461665"/>
+          </a:xfrm>
+          <a:prstGeom prst="rect">
+            <a:avLst/>
+          </a:prstGeom>
+          <a:solidFill>
+            <a:schemeClr val="bg1"/>
+          </a:solidFill>
+        </p:spPr>
+        <p:txBody>
+          <a:bodyPr wrap="none" rtlCol="0">
+            <a:spAutoFit/>
+          </a:bodyPr>
+          <a:lstStyle/>
+          <a:p>
+            <a:r>
+              <a:rPr lang="en-US" sz="2400" b="1" dirty="0">
+                <a:solidFill>
+                  <a:schemeClr val="accent6">
+                    <a:lumMod val="75000"/>
+                  </a:schemeClr>
+                </a:solidFill>
+              </a:rPr>
+              <a:t>Padres</a:t>
+            </a:r>
+            <a:endParaRPr lang="en-US" sz="2800" b="1" dirty="0">
+              <a:solidFill>
+                <a:schemeClr val="accent6">
+                  <a:lumMod val="75000"/>
+                </a:schemeClr>
+              </a:solidFill>
+            </a:endParaRPr>
+          </a:p>
+        </p:txBody>
+      </p:sp>
+      <p:sp>
+        <p:nvSpPr>
+          <p:cNvPr id="12" name="TextBox 11">
+            <a:extLst>
+              <a:ext uri="{FF2B5EF4-FFF2-40B4-BE49-F238E27FC236}">
+                <a16:creationId xmlns:a16="http://schemas.microsoft.com/office/drawing/2014/main" id="{9672536C-FB4F-9103-FA8F-A677942F455B}"/>
+              </a:ext>
+            </a:extLst>
+          </p:cNvPr>
+          <p:cNvSpPr txBox="1"/>
+          <p:nvPr/>
+        </p:nvSpPr>
+        <p:spPr>
+          <a:xfrm>
+            <a:off x="1045551" y="3252647"/>
+            <a:ext cx="10005647" cy="3477875"/>
+          </a:xfrm>
+          <a:prstGeom prst="rect">
+            <a:avLst/>
+          </a:prstGeom>
+          <a:noFill/>
+          <a:ln>
+            <a:solidFill>
+              <a:schemeClr val="tx1"/>
+            </a:solidFill>
+          </a:ln>
+        </p:spPr>
+        <p:txBody>
+          <a:bodyPr wrap="square" rtlCol="0">
+            <a:spAutoFit/>
+          </a:bodyPr>
+          <a:lstStyle/>
+          <a:p>
+            <a:r>
+              <a:rPr lang="en-US" sz="2000" dirty="0">
+                <a:solidFill>
+                  <a:schemeClr val="accent6">
+                    <a:lumMod val="75000"/>
+                  </a:schemeClr>
+                </a:solidFill>
+              </a:rPr>
+              <a:t>Proposed Trade Scenarios:</a:t>
+            </a:r>
+          </a:p>
+          <a:p>
+            <a:r>
+              <a:rPr lang="en-US" sz="2000" dirty="0">
+                <a:solidFill>
+                  <a:schemeClr val="accent6">
+                    <a:lumMod val="75000"/>
+                  </a:schemeClr>
+                </a:solidFill>
+              </a:rPr>
+              <a:t>1. Minnesota Twins Trade Target:</a:t>
+            </a:r>
+          </a:p>
+          <a:p>
+            <a:r>
+              <a:rPr lang="en-US" sz="2000" dirty="0">
+                <a:solidFill>
+                  <a:schemeClr val="accent6">
+                    <a:lumMod val="75000"/>
+                  </a:schemeClr>
+                </a:solidFill>
+              </a:rPr>
+              <a:t>- Pablo Lopez (Starting Pitcher)</a:t>
+            </a:r>
+          </a:p>
+          <a:p>
+            <a:r>
+              <a:rPr lang="en-US" sz="2000" dirty="0">
+                <a:solidFill>
+                  <a:schemeClr val="accent6">
+                    <a:lumMod val="75000"/>
+                  </a:schemeClr>
+                </a:solidFill>
+              </a:rPr>
+              <a:t>- Potential Package:</a:t>
+            </a:r>
+          </a:p>
+          <a:p>
+            <a:r>
+              <a:rPr lang="en-US" sz="2000" dirty="0">
+                <a:solidFill>
+                  <a:schemeClr val="accent6">
+                    <a:lumMod val="75000"/>
+                  </a:schemeClr>
+                </a:solidFill>
+              </a:rPr>
+              <a:t>  * Braves send: Reynaldo Lopez, Hurston Waldrep (pitching prospect)</a:t>
+            </a:r>
+          </a:p>
+          <a:p>
+            <a:r>
+              <a:rPr lang="en-US" sz="2000" dirty="0">
+                <a:solidFill>
+                  <a:schemeClr val="accent6">
+                    <a:lumMod val="75000"/>
+                  </a:schemeClr>
+                </a:solidFill>
+              </a:rPr>
+              <a:t>  * Twins receive: Pitching depth and a high-potential arm</a:t>
+            </a:r>
+          </a:p>
+          <a:p>
+            <a:endParaRPr lang="en-US" sz="2000" dirty="0">
+              <a:solidFill>
+                <a:schemeClr val="accent6">
+                  <a:lumMod val="75000"/>
+                </a:schemeClr>
+              </a:solidFill>
+            </a:endParaRPr>
+          </a:p>
+          <a:p>
+            <a:r>
+              <a:rPr lang="en-US" sz="2000" dirty="0">
+                <a:solidFill>
+                  <a:schemeClr val="accent6">
+                    <a:lumMod val="75000"/>
+                  </a:schemeClr>
+                </a:solidFill>
+              </a:rPr>
+              <a:t>Rationale:</a:t>
+            </a:r>
+          </a:p>
+          <a:p>
+            <a:r>
+              <a:rPr lang="en-US" sz="2000" dirty="0">
+                <a:solidFill>
+                  <a:schemeClr val="accent6">
+                    <a:lumMod val="75000"/>
+                  </a:schemeClr>
+                </a:solidFill>
+              </a:rPr>
+              <a:t>- Lopez provides consistent starting pitching</a:t>
+            </a:r>
+          </a:p>
+          <a:p>
+            <a:r>
+              <a:rPr lang="en-US" sz="2000" dirty="0">
+                <a:solidFill>
+                  <a:schemeClr val="accent6">
+                    <a:lumMod val="75000"/>
+                  </a:schemeClr>
+                </a:solidFill>
+              </a:rPr>
+              <a:t>- Braves add rotation depth</a:t>
+            </a:r>
+          </a:p>
+          <a:p>
+            <a:r>
+              <a:rPr lang="en-US" sz="2000" dirty="0">
+                <a:solidFill>
+                  <a:schemeClr val="accent6">
+                    <a:lumMod val="75000"/>
+                  </a:schemeClr>
+                </a:solidFill>
+              </a:rPr>
+              <a:t>- Twins get young talent and MLB-ready arm</a:t>
+            </a:r>
+          </a:p>
+        </p:txBody>
+      </p:sp>
+      <p:pic>
+        <p:nvPicPr>
+          <p:cNvPr id="14" name="Picture 13">
+            <a:extLst>
+              <a:ext uri="{FF2B5EF4-FFF2-40B4-BE49-F238E27FC236}">
+                <a16:creationId xmlns:a16="http://schemas.microsoft.com/office/drawing/2014/main" id="{3EAF050A-DE6F-8752-A56A-85C1F953178A}"/>
+              </a:ext>
+            </a:extLst>
+          </p:cNvPr>
+          <p:cNvPicPr>
+            <a:picLocks noChangeAspect="1"/>
+          </p:cNvPicPr>
+          <p:nvPr/>
+        </p:nvPicPr>
+        <p:blipFill>
+          <a:blip r:embed="rId3">
+            <a:extLst>
+              <a:ext uri="{28A0092B-C50C-407E-A947-70E740481C1C}">
+                <a14:useLocalDpi xmlns:a14="http://schemas.microsoft.com/office/drawing/2010/main" val="0"/>
+              </a:ext>
+            </a:extLst>
+          </a:blip>
+          <a:stretch>
+            <a:fillRect/>
+          </a:stretch>
+        </p:blipFill>
+        <p:spPr>
+          <a:xfrm>
+            <a:off x="8734425" y="3429000"/>
+            <a:ext cx="2124075" cy="2124075"/>
+          </a:xfrm>
+          <a:prstGeom prst="rect">
+            <a:avLst/>
+          </a:prstGeom>
+        </p:spPr>
+      </p:pic>
+    </p:spTree>
+    <p:extLst>
+      <p:ext uri="{BB962C8B-B14F-4D97-AF65-F5344CB8AC3E}">
+        <p14:creationId xmlns:p14="http://schemas.microsoft.com/office/powerpoint/2010/main" val="2817614805"/>
+      </p:ext>
+    </p:extLst>
+  </p:cSld>
+  <p:clrMapOvr>
+    <a:masterClrMapping/>
+  </p:clrMapOvr>
+</p:sld>
+</file>
+
+<file path=ppt/slides/slide21.xml><?xml version="1.0" encoding="utf-8"?>
+<p:sld xmlns:a="http://schemas.openxmlformats.org/drawingml/2006/main" xmlns:r="http://schemas.openxmlformats.org/officeDocument/2006/relationships" xmlns:p="http://schemas.openxmlformats.org/presentationml/2006/main">
+  <p:cSld>
+    <p:spTree>
+      <p:nvGrpSpPr>
+        <p:cNvPr id="1" name="">
+          <a:extLst>
+            <a:ext uri="{FF2B5EF4-FFF2-40B4-BE49-F238E27FC236}">
               <a16:creationId xmlns:a16="http://schemas.microsoft.com/office/drawing/2014/main" id="{2239CBA6-80F2-A492-0C32-20E3F24D65AC}"/>
             </a:ext>
           </a:extLst>
@@ -6385,8 +6749,8 @@
         </p:nvSpPr>
         <p:spPr>
           <a:xfrm>
-            <a:off x="1093176" y="1354496"/>
-            <a:ext cx="10005647" cy="4678204"/>
+            <a:off x="2779102" y="714911"/>
+            <a:ext cx="6993548" cy="5940088"/>
           </a:xfrm>
           <a:prstGeom prst="rect">
             <a:avLst/>
@@ -6412,7 +6776,7 @@
                   </a:schemeClr>
                 </a:solidFill>
               </a:rPr>
-              <a:t>2. Reynaldo Lopez (Pitcher)</a:t>
+              <a:t>2. San Diego Padres Trade Target:</a:t>
             </a:r>
           </a:p>
           <a:p>
@@ -6424,7 +6788,7 @@
                   </a:schemeClr>
                 </a:solidFill>
               </a:rPr>
-              <a:t>- Pros: Versatile arm (can start or relieve)</a:t>
+              <a:t>- Dylan Cease (Starting Pitcher)</a:t>
             </a:r>
           </a:p>
           <a:p>
@@ -6436,7 +6800,7 @@
                   </a:schemeClr>
                 </a:solidFill>
               </a:rPr>
-              <a:t>- Cons: Inconsistent performance</a:t>
+              <a:t>- Potential Package:</a:t>
             </a:r>
           </a:p>
           <a:p>
@@ -6448,7 +6812,7 @@
                   </a:schemeClr>
                 </a:solidFill>
               </a:rPr>
-              <a:t>- Potential Trade Partners:</a:t>
+              <a:t>  * Braves send: Jesse Chavez, AJ Smith-Shawver</a:t>
             </a:r>
           </a:p>
           <a:p>
@@ -6460,31 +6824,7 @@
                   </a:schemeClr>
                 </a:solidFill>
               </a:rPr>
-              <a:t>  a) San Diego Padres (pitching depth)</a:t>
-            </a:r>
-          </a:p>
-          <a:p>
-            <a:r>
-              <a:rPr lang="en-US" sz="2000" dirty="0">
-                <a:solidFill>
-                  <a:schemeClr val="accent6">
-                    <a:lumMod val="75000"/>
-                  </a:schemeClr>
-                </a:solidFill>
-              </a:rPr>
-              <a:t>  b) Minnesota Twins (need rotation flexibility)</a:t>
-            </a:r>
-          </a:p>
-          <a:p>
-            <a:r>
-              <a:rPr lang="en-US" sz="2000" dirty="0">
-                <a:solidFill>
-                  <a:schemeClr val="accent6">
-                    <a:lumMod val="75000"/>
-                  </a:schemeClr>
-                </a:solidFill>
-              </a:rPr>
-              <a:t>- Trade Value: Prospect package or young MLB-ready player</a:t>
+              <a:t>  * Padres receive: Veteran reliever and promising young pitcher</a:t>
             </a:r>
           </a:p>
           <a:p>
@@ -6505,7 +6845,7 @@
                   </a:schemeClr>
                 </a:solidFill>
               </a:rPr>
-              <a:t>3. Aaron Bummer (Relief Pitcher)</a:t>
+              <a:t>Rationale:</a:t>
             </a:r>
           </a:p>
           <a:p>
@@ -6517,7 +6857,7 @@
                   </a:schemeClr>
                 </a:solidFill>
               </a:rPr>
-              <a:t>- Pros: Left-handed reliever with potential</a:t>
+              <a:t>- Cease is a high-upside starting pitcher</a:t>
             </a:r>
           </a:p>
           <a:p>
@@ -6529,7 +6869,7 @@
                   </a:schemeClr>
                 </a:solidFill>
               </a:rPr>
-              <a:t>- Cons: Inconsistent recent performance</a:t>
+              <a:t>- Braves add young, controllable starting pitching</a:t>
             </a:r>
           </a:p>
           <a:p>
@@ -6541,8 +6881,17 @@
                   </a:schemeClr>
                 </a:solidFill>
               </a:rPr>
-              <a:t>- Potential Trade Partners:</a:t>
-            </a:r>
+              <a:t>- Padres get MLB-ready talent</a:t>
+            </a:r>
+          </a:p>
+          <a:p>
+            <a:endParaRPr lang="en-US" sz="2000" dirty="0">
+              <a:solidFill>
+                <a:schemeClr val="accent6">
+                  <a:lumMod val="75000"/>
+                </a:schemeClr>
+              </a:solidFill>
+            </a:endParaRPr>
           </a:p>
           <a:p>
             <a:r>
@@ -6553,7 +6902,7 @@
                   </a:schemeClr>
                 </a:solidFill>
               </a:rPr>
-              <a:t>  a) New York Yankees (always seeking bullpen help)</a:t>
+              <a:t>3. Selling Candidates:</a:t>
             </a:r>
           </a:p>
           <a:p>
@@ -6565,7 +6914,7 @@
                   </a:schemeClr>
                 </a:solidFill>
               </a:rPr>
-              <a:t>  b) Houston Astros (strong analytics-driven team)</a:t>
+              <a:t>- Marcell Ozuna to an AL team needing a DH</a:t>
             </a:r>
           </a:p>
           <a:p>
@@ -6577,11 +6926,107 @@
                   </a:schemeClr>
                 </a:solidFill>
               </a:rPr>
-              <a:t>- Trade Value: Mid-level prospect or young utility player</a:t>
-            </a:r>
-          </a:p>
-        </p:txBody>
-      </p:sp>
+              <a:t>- Reynaldo Lopez as a versatile pitching asset</a:t>
+            </a:r>
+          </a:p>
+          <a:p>
+            <a:r>
+              <a:rPr lang="en-US" sz="2000" dirty="0">
+                <a:solidFill>
+                  <a:schemeClr val="accent6">
+                    <a:lumMod val="75000"/>
+                  </a:schemeClr>
+                </a:solidFill>
+              </a:rPr>
+              <a:t>- Pierce Johnson as a bullpen rental</a:t>
+            </a:r>
+          </a:p>
+          <a:p>
+            <a:r>
+              <a:rPr lang="en-US" sz="2000" dirty="0">
+                <a:solidFill>
+                  <a:schemeClr val="accent6">
+                    <a:lumMod val="75000"/>
+                  </a:schemeClr>
+                </a:solidFill>
+              </a:rPr>
+              <a:t>Additional Considerations:</a:t>
+            </a:r>
+          </a:p>
+          <a:p>
+            <a:r>
+              <a:rPr lang="en-US" sz="2000" dirty="0">
+                <a:solidFill>
+                  <a:schemeClr val="accent6">
+                    <a:lumMod val="75000"/>
+                  </a:schemeClr>
+                </a:solidFill>
+              </a:rPr>
+              <a:t>- Focus on acquiring high-OBP players</a:t>
+            </a:r>
+          </a:p>
+          <a:p>
+            <a:r>
+              <a:rPr lang="en-US" sz="2000" dirty="0">
+                <a:solidFill>
+                  <a:schemeClr val="accent6">
+                    <a:lumMod val="75000"/>
+                  </a:schemeClr>
+                </a:solidFill>
+              </a:rPr>
+              <a:t>- Target controllable young pitching</a:t>
+            </a:r>
+          </a:p>
+          <a:p>
+            <a:r>
+              <a:rPr lang="en-US" sz="2000" dirty="0">
+                <a:solidFill>
+                  <a:schemeClr val="accent6">
+                    <a:lumMod val="75000"/>
+                  </a:schemeClr>
+                </a:solidFill>
+              </a:rPr>
+              <a:t>- Maintain organizational depth</a:t>
+            </a:r>
+          </a:p>
+        </p:txBody>
+      </p:sp>
+      <p:pic>
+        <p:nvPicPr>
+          <p:cNvPr id="4" name="Picture 3">
+            <a:extLst>
+              <a:ext uri="{FF2B5EF4-FFF2-40B4-BE49-F238E27FC236}">
+                <a16:creationId xmlns:a16="http://schemas.microsoft.com/office/drawing/2014/main" id="{4D2983E3-F013-E8D0-7D0E-917168370646}"/>
+              </a:ext>
+            </a:extLst>
+          </p:cNvPr>
+          <p:cNvPicPr>
+            <a:picLocks noChangeAspect="1"/>
+          </p:cNvPicPr>
+          <p:nvPr/>
+        </p:nvPicPr>
+        <p:blipFill>
+          <a:blip r:embed="rId2">
+            <a:extLst>
+              <a:ext uri="{28A0092B-C50C-407E-A947-70E740481C1C}">
+                <a14:useLocalDpi xmlns:a14="http://schemas.microsoft.com/office/drawing/2010/main" val="0"/>
+              </a:ext>
+            </a:extLst>
+          </a:blip>
+          <a:stretch>
+            <a:fillRect/>
+          </a:stretch>
+        </p:blipFill>
+        <p:spPr>
+          <a:xfrm>
+            <a:off x="7715250" y="4349949"/>
+            <a:ext cx="2305050" cy="2305050"/>
+          </a:xfrm>
+          <a:prstGeom prst="rect">
+            <a:avLst/>
+          </a:prstGeom>
+        </p:spPr>
+      </p:pic>
     </p:spTree>
     <p:extLst>
       <p:ext uri="{BB962C8B-B14F-4D97-AF65-F5344CB8AC3E}">
@@ -6595,7 +7040,7 @@
 </p:sld>
 </file>
 
-<file path=ppt/slides/slide21.xml><?xml version="1.0" encoding="utf-8"?>
+<file path=ppt/slides/slide22.xml><?xml version="1.0" encoding="utf-8"?>
 <p:sld xmlns:a="http://schemas.openxmlformats.org/drawingml/2006/main" xmlns:r="http://schemas.openxmlformats.org/officeDocument/2006/relationships" xmlns:p="http://schemas.openxmlformats.org/presentationml/2006/main">
   <p:cSld>
     <p:spTree>
@@ -6667,8 +7112,8 @@
         </p:nvSpPr>
         <p:spPr>
           <a:xfrm>
-            <a:off x="1093176" y="1354496"/>
-            <a:ext cx="10005647" cy="4678204"/>
+            <a:off x="1093176" y="1182231"/>
+            <a:ext cx="10005647" cy="2246769"/>
           </a:xfrm>
           <a:prstGeom prst="rect">
             <a:avLst/>
@@ -6694,18 +7139,10 @@
                   </a:schemeClr>
                 </a:solidFill>
               </a:rPr>
-              <a:t>4. </a:t>
-            </a:r>
-            <a:r>
-              <a:rPr lang="en-US" sz="2000" dirty="0" err="1">
-                <a:solidFill>
-                  <a:schemeClr val="accent6">
-                    <a:lumMod val="75000"/>
-                  </a:schemeClr>
-                </a:solidFill>
-              </a:rPr>
-              <a:t>Jurickson</a:t>
-            </a:r>
+              <a:t>Potential Trade Philosophy:</a:t>
+            </a:r>
+          </a:p>
+          <a:p>
             <a:r>
               <a:rPr lang="en-US" sz="2000" dirty="0">
                 <a:solidFill>
@@ -6714,7 +7151,7 @@
                   </a:schemeClr>
                 </a:solidFill>
               </a:rPr>
-              <a:t> Profar (Outfielder)</a:t>
+              <a:t>- Sell high on veterans</a:t>
             </a:r>
           </a:p>
           <a:p>
@@ -6726,7 +7163,7 @@
                   </a:schemeClr>
                 </a:solidFill>
               </a:rPr>
-              <a:t>- Pros: Versatile player, affordable contract</a:t>
+              <a:t>- Acquire young, controllable talent</a:t>
             </a:r>
           </a:p>
           <a:p>
@@ -6738,55 +7175,7 @@
                   </a:schemeClr>
                 </a:solidFill>
               </a:rPr>
-              <a:t>- Cons: Inconsistent performance</a:t>
-            </a:r>
-          </a:p>
-          <a:p>
-            <a:r>
-              <a:rPr lang="en-US" sz="2000" dirty="0">
-                <a:solidFill>
-                  <a:schemeClr val="accent6">
-                    <a:lumMod val="75000"/>
-                  </a:schemeClr>
-                </a:solidFill>
-              </a:rPr>
-              <a:t>- Potential Trade Partners:</a:t>
-            </a:r>
-          </a:p>
-          <a:p>
-            <a:r>
-              <a:rPr lang="en-US" sz="2000" dirty="0">
-                <a:solidFill>
-                  <a:schemeClr val="accent6">
-                    <a:lumMod val="75000"/>
-                  </a:schemeClr>
-                </a:solidFill>
-              </a:rPr>
-              <a:t>  a) Seattle Mariners (need outfield depth)</a:t>
-            </a:r>
-          </a:p>
-          <a:p>
-            <a:r>
-              <a:rPr lang="en-US" sz="2000" dirty="0">
-                <a:solidFill>
-                  <a:schemeClr val="accent6">
-                    <a:lumMod val="75000"/>
-                  </a:schemeClr>
-                </a:solidFill>
-              </a:rPr>
-              <a:t>  b) San Francisco Giants (love versatile players)</a:t>
-            </a:r>
-          </a:p>
-          <a:p>
-            <a:r>
-              <a:rPr lang="en-US" sz="2000" dirty="0">
-                <a:solidFill>
-                  <a:schemeClr val="accent6">
-                    <a:lumMod val="75000"/>
-                  </a:schemeClr>
-                </a:solidFill>
-              </a:rPr>
-              <a:t>- Trade Value: Lower-tier prospect or young infielder</a:t>
+              <a:t>- Maintain competitive window</a:t>
             </a:r>
           </a:p>
           <a:p>
@@ -6807,79 +7196,88 @@
                   </a:schemeClr>
                 </a:solidFill>
               </a:rPr>
-              <a:t>5. Raisel Iglesias (Closer)</a:t>
-            </a:r>
-          </a:p>
+              <a:t>Would you like me to elaborate on any of these potential trade scenarios or explore additional trade partners?</a:t>
+            </a:r>
+          </a:p>
+        </p:txBody>
+      </p:sp>
+      <p:sp>
+        <p:nvSpPr>
+          <p:cNvPr id="3" name="TextBox 2">
+            <a:extLst>
+              <a:ext uri="{FF2B5EF4-FFF2-40B4-BE49-F238E27FC236}">
+                <a16:creationId xmlns:a16="http://schemas.microsoft.com/office/drawing/2014/main" id="{79D828DD-3F80-0823-1974-550215364CCD}"/>
+              </a:ext>
+            </a:extLst>
+          </p:cNvPr>
+          <p:cNvSpPr txBox="1"/>
+          <p:nvPr/>
+        </p:nvSpPr>
+        <p:spPr>
+          <a:xfrm>
+            <a:off x="1093176" y="4390430"/>
+            <a:ext cx="10005647" cy="1015663"/>
+          </a:xfrm>
+          <a:prstGeom prst="rect">
+            <a:avLst/>
+          </a:prstGeom>
+          <a:noFill/>
+          <a:ln>
+            <a:solidFill>
+              <a:schemeClr val="tx1"/>
+            </a:solidFill>
+          </a:ln>
+        </p:spPr>
+        <p:txBody>
+          <a:bodyPr wrap="square" rtlCol="0">
+            <a:spAutoFit/>
+          </a:bodyPr>
+          <a:lstStyle/>
           <a:p>
             <a:r>
               <a:rPr lang="en-US" sz="2000" dirty="0">
                 <a:solidFill>
-                  <a:schemeClr val="accent6">
-                    <a:lumMod val="75000"/>
-                  </a:schemeClr>
-                </a:solidFill>
-              </a:rPr>
-              <a:t>- Pros: Experienced closer</a:t>
-            </a:r>
-          </a:p>
-          <a:p>
-            <a:r>
-              <a:rPr lang="en-US" sz="2000" dirty="0">
-                <a:solidFill>
-                  <a:schemeClr val="accent6">
-                    <a:lumMod val="75000"/>
-                  </a:schemeClr>
-                </a:solidFill>
-              </a:rPr>
-              <a:t>- Cons: Expensive contract</a:t>
-            </a:r>
-          </a:p>
-          <a:p>
-            <a:r>
-              <a:rPr lang="en-US" sz="2000" dirty="0">
-                <a:solidFill>
-                  <a:schemeClr val="accent6">
-                    <a:lumMod val="75000"/>
-                  </a:schemeClr>
-                </a:solidFill>
-              </a:rPr>
-              <a:t>- Potential Trade Partners:</a:t>
-            </a:r>
-          </a:p>
-          <a:p>
-            <a:r>
-              <a:rPr lang="en-US" sz="2000" dirty="0">
-                <a:solidFill>
-                  <a:schemeClr val="accent6">
-                    <a:lumMod val="75000"/>
-                  </a:schemeClr>
-                </a:solidFill>
-              </a:rPr>
-              <a:t>  a) Philadelphia Phillies (bullpen needs)</a:t>
-            </a:r>
-          </a:p>
-          <a:p>
-            <a:r>
-              <a:rPr lang="en-US" sz="2000" dirty="0">
-                <a:solidFill>
-                  <a:schemeClr val="accent6">
-                    <a:lumMod val="75000"/>
-                  </a:schemeClr>
-                </a:solidFill>
-              </a:rPr>
-              <a:t>  b) Miami Marlins (looking to compete)</a:t>
-            </a:r>
-          </a:p>
-          <a:p>
-            <a:r>
-              <a:rPr lang="en-US" sz="2000" dirty="0">
-                <a:solidFill>
-                  <a:schemeClr val="accent6">
-                    <a:lumMod val="75000"/>
-                  </a:schemeClr>
-                </a:solidFill>
-              </a:rPr>
-              <a:t>- Trade Value: Prospect package or young MLB-ready player</a:t>
+                  <a:schemeClr val="accent5">
+                    <a:lumMod val="75000"/>
+                  </a:schemeClr>
+                </a:solidFill>
+              </a:rPr>
+              <a:t>Let's keep exploring other potential trade partners.  Please continue to verify that the trade targets are currently on the roster of the trade partners that you mention, and that the potential trade would not be rejected by the other team based on common sense.</a:t>
+            </a:r>
+          </a:p>
+        </p:txBody>
+      </p:sp>
+      <p:sp>
+        <p:nvSpPr>
+          <p:cNvPr id="4" name="TextBox 3">
+            <a:extLst>
+              <a:ext uri="{FF2B5EF4-FFF2-40B4-BE49-F238E27FC236}">
+                <a16:creationId xmlns:a16="http://schemas.microsoft.com/office/drawing/2014/main" id="{F5BED288-AA0D-D1AC-48C1-8496AC182A61}"/>
+              </a:ext>
+            </a:extLst>
+          </p:cNvPr>
+          <p:cNvSpPr txBox="1"/>
+          <p:nvPr/>
+        </p:nvSpPr>
+        <p:spPr>
+          <a:xfrm>
+            <a:off x="3294014" y="3982998"/>
+            <a:ext cx="5375382" cy="369332"/>
+          </a:xfrm>
+          <a:prstGeom prst="rect">
+            <a:avLst/>
+          </a:prstGeom>
+          <a:noFill/>
+        </p:spPr>
+        <p:txBody>
+          <a:bodyPr wrap="none" rtlCol="0">
+            <a:spAutoFit/>
+          </a:bodyPr>
+          <a:lstStyle/>
+          <a:p>
+            <a:r>
+              <a:rPr lang="en-US" b="1" dirty="0"/>
+              <a:t>Second Canned User Response to Follow-up Questions</a:t>
             </a:r>
           </a:p>
         </p:txBody>
@@ -6897,7 +7295,7 @@
 </p:sld>
 </file>
 
-<file path=ppt/slides/slide22.xml><?xml version="1.0" encoding="utf-8"?>
+<file path=ppt/slides/slide23.xml><?xml version="1.0" encoding="utf-8"?>
 <p:sld xmlns:a="http://schemas.openxmlformats.org/drawingml/2006/main" xmlns:r="http://schemas.openxmlformats.org/officeDocument/2006/relationships" xmlns:p="http://schemas.openxmlformats.org/presentationml/2006/main">
   <p:cSld>
     <p:spTree>
@@ -6955,52 +7353,131 @@
           </a:p>
         </p:txBody>
       </p:sp>
-      <p:sp>
-        <p:nvSpPr>
-          <p:cNvPr id="6" name="TextBox 5">
-            <a:extLst>
-              <a:ext uri="{FF2B5EF4-FFF2-40B4-BE49-F238E27FC236}">
-                <a16:creationId xmlns:a16="http://schemas.microsoft.com/office/drawing/2014/main" id="{FBB9CDB8-E545-685E-5E49-0A3F482A93F9}"/>
-              </a:ext>
-            </a:extLst>
-          </p:cNvPr>
-          <p:cNvSpPr txBox="1"/>
+      <p:pic>
+        <p:nvPicPr>
+          <p:cNvPr id="3" name="Picture 2">
+            <a:extLst>
+              <a:ext uri="{FF2B5EF4-FFF2-40B4-BE49-F238E27FC236}">
+                <a16:creationId xmlns:a16="http://schemas.microsoft.com/office/drawing/2014/main" id="{09017EBB-7DE1-DF89-ED2C-A40341E93863}"/>
+              </a:ext>
+            </a:extLst>
+          </p:cNvPr>
+          <p:cNvPicPr>
+            <a:picLocks noChangeAspect="1"/>
+          </p:cNvPicPr>
           <p:nvPr/>
-        </p:nvSpPr>
-        <p:spPr>
-          <a:xfrm>
-            <a:off x="1093176" y="1354496"/>
-            <a:ext cx="10005647" cy="5016758"/>
+        </p:nvPicPr>
+        <p:blipFill>
+          <a:blip r:embed="rId2">
+            <a:extLst>
+              <a:ext uri="{28A0092B-C50C-407E-A947-70E740481C1C}">
+                <a14:useLocalDpi xmlns:a14="http://schemas.microsoft.com/office/drawing/2010/main" val="0"/>
+              </a:ext>
+            </a:extLst>
+          </a:blip>
+          <a:srcRect l="2994" t="65815" r="28926" b="29034"/>
+          <a:stretch>
+            <a:fillRect/>
+          </a:stretch>
+        </p:blipFill>
+        <p:spPr>
+          <a:xfrm>
+            <a:off x="734039" y="887768"/>
+            <a:ext cx="10628672" cy="452283"/>
           </a:xfrm>
           <a:prstGeom prst="rect">
             <a:avLst/>
           </a:prstGeom>
-          <a:noFill/>
           <a:ln>
             <a:solidFill>
               <a:schemeClr val="tx1"/>
             </a:solidFill>
           </a:ln>
         </p:spPr>
-        <p:txBody>
-          <a:bodyPr wrap="square" rtlCol="0">
+      </p:pic>
+      <p:pic>
+        <p:nvPicPr>
+          <p:cNvPr id="4" name="Picture 3">
+            <a:extLst>
+              <a:ext uri="{FF2B5EF4-FFF2-40B4-BE49-F238E27FC236}">
+                <a16:creationId xmlns:a16="http://schemas.microsoft.com/office/drawing/2014/main" id="{7B71B993-12F6-F7C5-BA73-98E8EDB0DD6F}"/>
+              </a:ext>
+            </a:extLst>
+          </p:cNvPr>
+          <p:cNvPicPr>
+            <a:picLocks noChangeAspect="1"/>
+          </p:cNvPicPr>
+          <p:nvPr/>
+        </p:nvPicPr>
+        <p:blipFill>
+          <a:blip r:embed="rId2">
+            <a:extLst>
+              <a:ext uri="{28A0092B-C50C-407E-A947-70E740481C1C}">
+                <a14:useLocalDpi xmlns:a14="http://schemas.microsoft.com/office/drawing/2010/main" val="0"/>
+              </a:ext>
+            </a:extLst>
+          </a:blip>
+          <a:srcRect l="3571" t="46695" r="29169" b="47927"/>
+          <a:stretch>
+            <a:fillRect/>
+          </a:stretch>
+        </p:blipFill>
+        <p:spPr>
+          <a:xfrm>
+            <a:off x="734039" y="1461707"/>
+            <a:ext cx="10500528" cy="472273"/>
+          </a:xfrm>
+          <a:prstGeom prst="rect">
+            <a:avLst/>
+          </a:prstGeom>
+          <a:ln>
+            <a:solidFill>
+              <a:schemeClr val="tx1"/>
+            </a:solidFill>
+          </a:ln>
+        </p:spPr>
+      </p:pic>
+      <p:sp>
+        <p:nvSpPr>
+          <p:cNvPr id="5" name="TextBox 4">
+            <a:extLst>
+              <a:ext uri="{FF2B5EF4-FFF2-40B4-BE49-F238E27FC236}">
+                <a16:creationId xmlns:a16="http://schemas.microsoft.com/office/drawing/2014/main" id="{88C1F838-F1E1-7D53-B204-C13BAC75F5B6}"/>
+              </a:ext>
+            </a:extLst>
+          </p:cNvPr>
+          <p:cNvSpPr txBox="1"/>
+          <p:nvPr/>
+        </p:nvSpPr>
+        <p:spPr>
+          <a:xfrm>
+            <a:off x="5647319" y="1123153"/>
+            <a:ext cx="800347" cy="461665"/>
+          </a:xfrm>
+          <a:prstGeom prst="rect">
+            <a:avLst/>
+          </a:prstGeom>
+          <a:solidFill>
+            <a:schemeClr val="bg1"/>
+          </a:solidFill>
+        </p:spPr>
+        <p:txBody>
+          <a:bodyPr wrap="none" rtlCol="0">
             <a:spAutoFit/>
           </a:bodyPr>
           <a:lstStyle/>
           <a:p>
             <a:r>
-              <a:rPr lang="en-US" sz="2000" dirty="0">
-                <a:solidFill>
-                  <a:schemeClr val="accent6">
-                    <a:lumMod val="75000"/>
-                  </a:schemeClr>
-                </a:solidFill>
-              </a:rPr>
-              <a:t>Strategic Trade Scenarios:</a:t>
-            </a:r>
-          </a:p>
-          <a:p>
-            <a:endParaRPr lang="en-US" sz="2000" dirty="0">
+              <a:rPr lang="en-US" sz="2400" b="1" dirty="0">
+                <a:solidFill>
+                  <a:schemeClr val="accent6">
+                    <a:lumMod val="75000"/>
+                  </a:schemeClr>
+                </a:solidFill>
+              </a:rPr>
+              <a:t>Cubs</a:t>
+            </a:r>
+            <a:endParaRPr lang="en-US" sz="2800" b="1" dirty="0">
               <a:solidFill>
                 <a:schemeClr val="accent6">
                   <a:lumMod val="75000"/>
@@ -7008,56 +7485,133 @@
               </a:solidFill>
             </a:endParaRPr>
           </a:p>
-          <a:p>
-            <a:r>
-              <a:rPr lang="en-US" sz="2000" dirty="0">
-                <a:solidFill>
-                  <a:schemeClr val="accent6">
-                    <a:lumMod val="75000"/>
-                  </a:schemeClr>
-                </a:solidFill>
-              </a:rPr>
-              <a:t>1. Selling High on Pitching Depth</a:t>
-            </a:r>
-          </a:p>
-          <a:p>
-            <a:r>
-              <a:rPr lang="en-US" sz="2000" dirty="0">
-                <a:solidFill>
-                  <a:schemeClr val="accent6">
-                    <a:lumMod val="75000"/>
-                  </a:schemeClr>
-                </a:solidFill>
-              </a:rPr>
-              <a:t>- Package: Reynaldo Lopez + Aaron Bummer</a:t>
-            </a:r>
-          </a:p>
-          <a:p>
-            <a:r>
-              <a:rPr lang="en-US" sz="2000" dirty="0">
-                <a:solidFill>
-                  <a:schemeClr val="accent6">
-                    <a:lumMod val="75000"/>
-                  </a:schemeClr>
-                </a:solidFill>
-              </a:rPr>
-              <a:t>- Target Partner: San Diego Padres</a:t>
-            </a:r>
-          </a:p>
-          <a:p>
-            <a:r>
-              <a:rPr lang="en-US" sz="2000" dirty="0">
-                <a:solidFill>
-                  <a:schemeClr val="accent6">
-                    <a:lumMod val="75000"/>
-                  </a:schemeClr>
-                </a:solidFill>
-              </a:rPr>
-              <a:t>- Potential Return: 2-3 prospects, focusing on offensive talent</a:t>
-            </a:r>
-          </a:p>
-          <a:p>
-            <a:endParaRPr lang="en-US" sz="2000" dirty="0">
+        </p:txBody>
+      </p:sp>
+      <p:pic>
+        <p:nvPicPr>
+          <p:cNvPr id="7" name="Picture 6">
+            <a:extLst>
+              <a:ext uri="{FF2B5EF4-FFF2-40B4-BE49-F238E27FC236}">
+                <a16:creationId xmlns:a16="http://schemas.microsoft.com/office/drawing/2014/main" id="{9FFF2510-F2F8-8BB6-08E8-FFF617CCB35E}"/>
+              </a:ext>
+            </a:extLst>
+          </p:cNvPr>
+          <p:cNvPicPr>
+            <a:picLocks noChangeAspect="1"/>
+          </p:cNvPicPr>
+          <p:nvPr/>
+        </p:nvPicPr>
+        <p:blipFill>
+          <a:blip r:embed="rId2">
+            <a:extLst>
+              <a:ext uri="{28A0092B-C50C-407E-A947-70E740481C1C}">
+                <a14:useLocalDpi xmlns:a14="http://schemas.microsoft.com/office/drawing/2010/main" val="0"/>
+              </a:ext>
+            </a:extLst>
+          </a:blip>
+          <a:srcRect l="2994" t="65815" r="28926" b="29034"/>
+          <a:stretch>
+            <a:fillRect/>
+          </a:stretch>
+        </p:blipFill>
+        <p:spPr>
+          <a:xfrm>
+            <a:off x="734039" y="2100341"/>
+            <a:ext cx="10628672" cy="452283"/>
+          </a:xfrm>
+          <a:prstGeom prst="rect">
+            <a:avLst/>
+          </a:prstGeom>
+          <a:ln>
+            <a:solidFill>
+              <a:schemeClr val="tx1"/>
+            </a:solidFill>
+          </a:ln>
+        </p:spPr>
+      </p:pic>
+      <p:pic>
+        <p:nvPicPr>
+          <p:cNvPr id="8" name="Picture 7">
+            <a:extLst>
+              <a:ext uri="{FF2B5EF4-FFF2-40B4-BE49-F238E27FC236}">
+                <a16:creationId xmlns:a16="http://schemas.microsoft.com/office/drawing/2014/main" id="{FA4CC95F-B2EA-05E6-210B-EAD9AFBA3D00}"/>
+              </a:ext>
+            </a:extLst>
+          </p:cNvPr>
+          <p:cNvPicPr>
+            <a:picLocks noChangeAspect="1"/>
+          </p:cNvPicPr>
+          <p:nvPr/>
+        </p:nvPicPr>
+        <p:blipFill>
+          <a:blip r:embed="rId2">
+            <a:extLst>
+              <a:ext uri="{28A0092B-C50C-407E-A947-70E740481C1C}">
+                <a14:useLocalDpi xmlns:a14="http://schemas.microsoft.com/office/drawing/2010/main" val="0"/>
+              </a:ext>
+            </a:extLst>
+          </a:blip>
+          <a:srcRect l="3571" t="46695" r="29169" b="47927"/>
+          <a:stretch>
+            <a:fillRect/>
+          </a:stretch>
+        </p:blipFill>
+        <p:spPr>
+          <a:xfrm>
+            <a:off x="734039" y="2674280"/>
+            <a:ext cx="10500528" cy="472273"/>
+          </a:xfrm>
+          <a:prstGeom prst="rect">
+            <a:avLst/>
+          </a:prstGeom>
+          <a:ln>
+            <a:solidFill>
+              <a:schemeClr val="tx1"/>
+            </a:solidFill>
+          </a:ln>
+        </p:spPr>
+      </p:pic>
+      <p:sp>
+        <p:nvSpPr>
+          <p:cNvPr id="9" name="TextBox 8">
+            <a:extLst>
+              <a:ext uri="{FF2B5EF4-FFF2-40B4-BE49-F238E27FC236}">
+                <a16:creationId xmlns:a16="http://schemas.microsoft.com/office/drawing/2014/main" id="{3F9BA713-1B22-102F-1587-B0266CA6BFE5}"/>
+              </a:ext>
+            </a:extLst>
+          </p:cNvPr>
+          <p:cNvSpPr txBox="1"/>
+          <p:nvPr/>
+        </p:nvSpPr>
+        <p:spPr>
+          <a:xfrm>
+            <a:off x="5365767" y="2378098"/>
+            <a:ext cx="1484124" cy="461665"/>
+          </a:xfrm>
+          <a:prstGeom prst="rect">
+            <a:avLst/>
+          </a:prstGeom>
+          <a:solidFill>
+            <a:schemeClr val="bg1"/>
+          </a:solidFill>
+        </p:spPr>
+        <p:txBody>
+          <a:bodyPr wrap="none" rtlCol="0">
+            <a:spAutoFit/>
+          </a:bodyPr>
+          <a:lstStyle/>
+          <a:p>
+            <a:r>
+              <a:rPr lang="en-US" sz="2400" b="1" dirty="0">
+                <a:solidFill>
+                  <a:schemeClr val="accent6">
+                    <a:lumMod val="75000"/>
+                  </a:schemeClr>
+                </a:solidFill>
+              </a:rPr>
+              <a:t>Guardians</a:t>
+            </a:r>
+            <a:endParaRPr lang="en-US" sz="2800" b="1" dirty="0">
               <a:solidFill>
                 <a:schemeClr val="accent6">
                   <a:lumMod val="75000"/>
@@ -7065,110 +7619,139 @@
               </a:solidFill>
             </a:endParaRPr>
           </a:p>
-          <a:p>
-            <a:r>
-              <a:rPr lang="en-US" sz="2000" dirty="0">
-                <a:solidFill>
-                  <a:schemeClr val="accent6">
-                    <a:lumMod val="75000"/>
-                  </a:schemeClr>
-                </a:solidFill>
-              </a:rPr>
-              <a:t>2. Veteran Salary Dump</a:t>
-            </a:r>
-          </a:p>
-          <a:p>
-            <a:r>
-              <a:rPr lang="en-US" sz="2000" dirty="0">
-                <a:solidFill>
-                  <a:schemeClr val="accent6">
-                    <a:lumMod val="75000"/>
-                  </a:schemeClr>
-                </a:solidFill>
-              </a:rPr>
-              <a:t>- Package: Marcell Ozuna</a:t>
-            </a:r>
-          </a:p>
-          <a:p>
-            <a:r>
-              <a:rPr lang="en-US" sz="2000" dirty="0">
-                <a:solidFill>
-                  <a:schemeClr val="accent6">
-                    <a:lumMod val="75000"/>
-                  </a:schemeClr>
-                </a:solidFill>
-              </a:rPr>
-              <a:t>- Target Partner: Oakland Athletics</a:t>
-            </a:r>
-          </a:p>
-          <a:p>
-            <a:r>
-              <a:rPr lang="en-US" sz="2000" dirty="0">
-                <a:solidFill>
-                  <a:schemeClr val="accent6">
-                    <a:lumMod val="75000"/>
-                  </a:schemeClr>
-                </a:solidFill>
-              </a:rPr>
-              <a:t>- Potential Return: Salary relief, low-level prospects</a:t>
-            </a:r>
-          </a:p>
-          <a:p>
-            <a:endParaRPr lang="en-US" sz="2000" dirty="0">
+        </p:txBody>
+      </p:sp>
+      <p:pic>
+        <p:nvPicPr>
+          <p:cNvPr id="10" name="Picture 9">
+            <a:extLst>
+              <a:ext uri="{FF2B5EF4-FFF2-40B4-BE49-F238E27FC236}">
+                <a16:creationId xmlns:a16="http://schemas.microsoft.com/office/drawing/2014/main" id="{8648A63F-958D-EAC3-26D9-DF005380B4FD}"/>
+              </a:ext>
+            </a:extLst>
+          </p:cNvPr>
+          <p:cNvPicPr>
+            <a:picLocks noChangeAspect="1"/>
+          </p:cNvPicPr>
+          <p:nvPr/>
+        </p:nvPicPr>
+        <p:blipFill>
+          <a:blip r:embed="rId2">
+            <a:extLst>
+              <a:ext uri="{28A0092B-C50C-407E-A947-70E740481C1C}">
+                <a14:useLocalDpi xmlns:a14="http://schemas.microsoft.com/office/drawing/2010/main" val="0"/>
+              </a:ext>
+            </a:extLst>
+          </a:blip>
+          <a:srcRect l="2994" t="65815" r="28926" b="29034"/>
+          <a:stretch>
+            <a:fillRect/>
+          </a:stretch>
+        </p:blipFill>
+        <p:spPr>
+          <a:xfrm>
+            <a:off x="734039" y="3259165"/>
+            <a:ext cx="10628672" cy="452283"/>
+          </a:xfrm>
+          <a:prstGeom prst="rect">
+            <a:avLst/>
+          </a:prstGeom>
+          <a:ln>
+            <a:solidFill>
+              <a:schemeClr val="tx1"/>
+            </a:solidFill>
+          </a:ln>
+        </p:spPr>
+      </p:pic>
+      <p:pic>
+        <p:nvPicPr>
+          <p:cNvPr id="11" name="Picture 10">
+            <a:extLst>
+              <a:ext uri="{FF2B5EF4-FFF2-40B4-BE49-F238E27FC236}">
+                <a16:creationId xmlns:a16="http://schemas.microsoft.com/office/drawing/2014/main" id="{882A2391-B09C-F85F-37B5-53D7C8AF8EFA}"/>
+              </a:ext>
+            </a:extLst>
+          </p:cNvPr>
+          <p:cNvPicPr>
+            <a:picLocks noChangeAspect="1"/>
+          </p:cNvPicPr>
+          <p:nvPr/>
+        </p:nvPicPr>
+        <p:blipFill>
+          <a:blip r:embed="rId2">
+            <a:extLst>
+              <a:ext uri="{28A0092B-C50C-407E-A947-70E740481C1C}">
+                <a14:useLocalDpi xmlns:a14="http://schemas.microsoft.com/office/drawing/2010/main" val="0"/>
+              </a:ext>
+            </a:extLst>
+          </a:blip>
+          <a:srcRect l="3571" t="46695" r="29169" b="47927"/>
+          <a:stretch>
+            <a:fillRect/>
+          </a:stretch>
+        </p:blipFill>
+        <p:spPr>
+          <a:xfrm>
+            <a:off x="734039" y="3833104"/>
+            <a:ext cx="10500528" cy="472273"/>
+          </a:xfrm>
+          <a:prstGeom prst="rect">
+            <a:avLst/>
+          </a:prstGeom>
+          <a:ln>
+            <a:solidFill>
+              <a:schemeClr val="tx1"/>
+            </a:solidFill>
+          </a:ln>
+        </p:spPr>
+      </p:pic>
+      <p:sp>
+        <p:nvSpPr>
+          <p:cNvPr id="12" name="TextBox 11">
+            <a:extLst>
+              <a:ext uri="{FF2B5EF4-FFF2-40B4-BE49-F238E27FC236}">
+                <a16:creationId xmlns:a16="http://schemas.microsoft.com/office/drawing/2014/main" id="{F5474E38-BD2D-E851-D001-012199606D41}"/>
+              </a:ext>
+            </a:extLst>
+          </p:cNvPr>
+          <p:cNvSpPr txBox="1"/>
+          <p:nvPr/>
+        </p:nvSpPr>
+        <p:spPr>
+          <a:xfrm>
+            <a:off x="5437902" y="3541444"/>
+            <a:ext cx="1339854" cy="461665"/>
+          </a:xfrm>
+          <a:prstGeom prst="rect">
+            <a:avLst/>
+          </a:prstGeom>
+          <a:solidFill>
+            <a:schemeClr val="bg1"/>
+          </a:solidFill>
+        </p:spPr>
+        <p:txBody>
+          <a:bodyPr wrap="none" rtlCol="0">
+            <a:spAutoFit/>
+          </a:bodyPr>
+          <a:lstStyle/>
+          <a:p>
+            <a:r>
+              <a:rPr lang="en-US" sz="2400" b="1" dirty="0">
+                <a:solidFill>
+                  <a:schemeClr val="accent6">
+                    <a:lumMod val="75000"/>
+                  </a:schemeClr>
+                </a:solidFill>
+              </a:rPr>
+              <a:t>Mariners</a:t>
+            </a:r>
+            <a:endParaRPr lang="en-US" sz="2800" b="1" dirty="0">
               <a:solidFill>
                 <a:schemeClr val="accent6">
                   <a:lumMod val="75000"/>
                 </a:schemeClr>
               </a:solidFill>
             </a:endParaRPr>
-          </a:p>
-          <a:p>
-            <a:r>
-              <a:rPr lang="en-US" sz="2000" dirty="0">
-                <a:solidFill>
-                  <a:schemeClr val="accent6">
-                    <a:lumMod val="75000"/>
-                  </a:schemeClr>
-                </a:solidFill>
-              </a:rPr>
-              <a:t>3. Bullpen Rebuild</a:t>
-            </a:r>
-          </a:p>
-          <a:p>
-            <a:r>
-              <a:rPr lang="en-US" sz="2000" dirty="0">
-                <a:solidFill>
-                  <a:schemeClr val="accent6">
-                    <a:lumMod val="75000"/>
-                  </a:schemeClr>
-                </a:solidFill>
-              </a:rPr>
-              <a:t>- Package: Raisel Iglesias</a:t>
-            </a:r>
-          </a:p>
-          <a:p>
-            <a:r>
-              <a:rPr lang="en-US" sz="2000" dirty="0">
-                <a:solidFill>
-                  <a:schemeClr val="accent6">
-                    <a:lumMod val="75000"/>
-                  </a:schemeClr>
-                </a:solidFill>
-              </a:rPr>
-              <a:t>- Target Partner: Philadelphia Phillies</a:t>
-            </a:r>
-          </a:p>
-          <a:p>
-            <a:r>
-              <a:rPr lang="en-US" sz="2000" dirty="0">
-                <a:solidFill>
-                  <a:schemeClr val="accent6">
-                    <a:lumMod val="75000"/>
-                  </a:schemeClr>
-                </a:solidFill>
-              </a:rPr>
-              <a:t>- Potential Return: Combination of prospects and young MLB players</a:t>
-            </a:r>
           </a:p>
         </p:txBody>
       </p:sp>
@@ -7185,7 +7768,7 @@
 </p:sld>
 </file>
 
-<file path=ppt/slides/slide23.xml><?xml version="1.0" encoding="utf-8"?>
+<file path=ppt/slides/slide24.xml><?xml version="1.0" encoding="utf-8"?>
 <p:sld xmlns:a="http://schemas.openxmlformats.org/drawingml/2006/main" xmlns:r="http://schemas.openxmlformats.org/officeDocument/2006/relationships" xmlns:p="http://schemas.openxmlformats.org/presentationml/2006/main">
   <p:cSld>
     <p:spTree>
@@ -7258,7 +7841,7 @@
         <p:spPr>
           <a:xfrm>
             <a:off x="1093176" y="1354496"/>
-            <a:ext cx="10005647" cy="4154984"/>
+            <a:ext cx="10005647" cy="4893647"/>
           </a:xfrm>
           <a:prstGeom prst="rect">
             <a:avLst/>
@@ -7284,67 +7867,7 @@
                   </a:schemeClr>
                 </a:solidFill>
               </a:rPr>
-              <a:t>Untouchable Players (Do Not Trade):</a:t>
-            </a:r>
-          </a:p>
-          <a:p>
-            <a:r>
-              <a:rPr lang="en-US" sz="2400" dirty="0">
-                <a:solidFill>
-                  <a:schemeClr val="accent6">
-                    <a:lumMod val="75000"/>
-                  </a:schemeClr>
-                </a:solidFill>
-              </a:rPr>
-              <a:t>1. Ronald Acuna Jr.</a:t>
-            </a:r>
-          </a:p>
-          <a:p>
-            <a:r>
-              <a:rPr lang="en-US" sz="2400" dirty="0">
-                <a:solidFill>
-                  <a:schemeClr val="accent6">
-                    <a:lumMod val="75000"/>
-                  </a:schemeClr>
-                </a:solidFill>
-              </a:rPr>
-              <a:t>2. Michael Harris II</a:t>
-            </a:r>
-          </a:p>
-          <a:p>
-            <a:r>
-              <a:rPr lang="en-US" sz="2400" dirty="0">
-                <a:solidFill>
-                  <a:schemeClr val="accent6">
-                    <a:lumMod val="75000"/>
-                  </a:schemeClr>
-                </a:solidFill>
-              </a:rPr>
-              <a:t>3. Matt Olson</a:t>
-            </a:r>
-          </a:p>
-          <a:p>
-            <a:r>
-              <a:rPr lang="en-US" sz="2400" dirty="0">
-                <a:solidFill>
-                  <a:schemeClr val="accent6">
-                    <a:lumMod val="75000"/>
-                  </a:schemeClr>
-                </a:solidFill>
-              </a:rPr>
-              <a:t>4. Austin Riley</a:t>
-            </a:r>
-          </a:p>
-          <a:p>
-            <a:r>
-              <a:rPr lang="en-US" sz="2400" dirty="0">
-                <a:solidFill>
-                  <a:schemeClr val="accent6">
-                    <a:lumMod val="75000"/>
-                  </a:schemeClr>
-                </a:solidFill>
-              </a:rPr>
-              <a:t>5. Spencer Strider</a:t>
+              <a:t>Potential Trade Scenarios:</a:t>
             </a:r>
           </a:p>
           <a:p>
@@ -7365,7 +7888,7 @@
                   </a:schemeClr>
                 </a:solidFill>
               </a:rPr>
-              <a:t>Prospects to Potentially Trade:</a:t>
+              <a:t>1. Chicago Cubs Trade Target:</a:t>
             </a:r>
           </a:p>
           <a:p>
@@ -7377,7 +7900,7 @@
                   </a:schemeClr>
                 </a:solidFill>
               </a:rPr>
-              <a:t>1. AJ Smith-Shawver (Pitcher)</a:t>
+              <a:t>- Justin Steele (Starting Pitcher)</a:t>
             </a:r>
           </a:p>
           <a:p>
@@ -7389,7 +7912,7 @@
                   </a:schemeClr>
                 </a:solidFill>
               </a:rPr>
-              <a:t>2. Hurston Waldrep (Pitcher)</a:t>
+              <a:t>- Potential Package:</a:t>
             </a:r>
           </a:p>
           <a:p>
@@ -7401,11 +7924,125 @@
                   </a:schemeClr>
                 </a:solidFill>
               </a:rPr>
-              <a:t>3. Drake Baldwin (Catcher)</a:t>
-            </a:r>
-          </a:p>
-        </p:txBody>
-      </p:sp>
+              <a:t>  * Braves send: Bryce Elder, Hurston Waldrep</a:t>
+            </a:r>
+          </a:p>
+          <a:p>
+            <a:r>
+              <a:rPr lang="en-US" sz="2400" dirty="0">
+                <a:solidFill>
+                  <a:schemeClr val="accent6">
+                    <a:lumMod val="75000"/>
+                  </a:schemeClr>
+                </a:solidFill>
+              </a:rPr>
+              <a:t>  * Cubs receive: Young pitching depth with potential</a:t>
+            </a:r>
+          </a:p>
+          <a:p>
+            <a:endParaRPr lang="en-US" sz="2400" dirty="0">
+              <a:solidFill>
+                <a:schemeClr val="accent6">
+                  <a:lumMod val="75000"/>
+                </a:schemeClr>
+              </a:solidFill>
+            </a:endParaRPr>
+          </a:p>
+          <a:p>
+            <a:r>
+              <a:rPr lang="en-US" sz="2400" dirty="0">
+                <a:solidFill>
+                  <a:schemeClr val="accent6">
+                    <a:lumMod val="75000"/>
+                  </a:schemeClr>
+                </a:solidFill>
+              </a:rPr>
+              <a:t>Rationale:</a:t>
+            </a:r>
+          </a:p>
+          <a:p>
+            <a:r>
+              <a:rPr lang="en-US" sz="2400" dirty="0">
+                <a:solidFill>
+                  <a:schemeClr val="accent6">
+                    <a:lumMod val="75000"/>
+                  </a:schemeClr>
+                </a:solidFill>
+              </a:rPr>
+              <a:t>- Steele is a young, controllable left-handed starter</a:t>
+            </a:r>
+          </a:p>
+          <a:p>
+            <a:r>
+              <a:rPr lang="en-US" sz="2400" dirty="0">
+                <a:solidFill>
+                  <a:schemeClr val="accent6">
+                    <a:lumMod val="75000"/>
+                  </a:schemeClr>
+                </a:solidFill>
+              </a:rPr>
+              <a:t>- Provides the Braves with a solid mid-rotation arm</a:t>
+            </a:r>
+          </a:p>
+          <a:p>
+            <a:r>
+              <a:rPr lang="en-US" sz="2400" dirty="0">
+                <a:solidFill>
+                  <a:schemeClr val="accent6">
+                    <a:lumMod val="75000"/>
+                  </a:schemeClr>
+                </a:solidFill>
+              </a:rPr>
+              <a:t>- Cubs get promising young pitchers in return</a:t>
+            </a:r>
+          </a:p>
+          <a:p>
+            <a:endParaRPr lang="en-US" sz="2400" dirty="0">
+              <a:solidFill>
+                <a:schemeClr val="accent6">
+                  <a:lumMod val="75000"/>
+                </a:schemeClr>
+              </a:solidFill>
+            </a:endParaRPr>
+          </a:p>
+        </p:txBody>
+      </p:sp>
+      <p:pic>
+        <p:nvPicPr>
+          <p:cNvPr id="4" name="Picture 3">
+            <a:extLst>
+              <a:ext uri="{FF2B5EF4-FFF2-40B4-BE49-F238E27FC236}">
+                <a16:creationId xmlns:a16="http://schemas.microsoft.com/office/drawing/2014/main" id="{F336BA1C-87F6-29FA-C019-E0CCB5C61976}"/>
+              </a:ext>
+            </a:extLst>
+          </p:cNvPr>
+          <p:cNvPicPr>
+            <a:picLocks noChangeAspect="1"/>
+          </p:cNvPicPr>
+          <p:nvPr/>
+        </p:nvPicPr>
+        <p:blipFill>
+          <a:blip r:embed="rId2">
+            <a:extLst>
+              <a:ext uri="{28A0092B-C50C-407E-A947-70E740481C1C}">
+                <a14:useLocalDpi xmlns:a14="http://schemas.microsoft.com/office/drawing/2010/main" val="0"/>
+              </a:ext>
+            </a:extLst>
+          </a:blip>
+          <a:stretch>
+            <a:fillRect/>
+          </a:stretch>
+        </p:blipFill>
+        <p:spPr>
+          <a:xfrm>
+            <a:off x="7894852" y="1461655"/>
+            <a:ext cx="2992223" cy="3024619"/>
+          </a:xfrm>
+          <a:prstGeom prst="rect">
+            <a:avLst/>
+          </a:prstGeom>
+        </p:spPr>
+      </p:pic>
     </p:spTree>
     <p:extLst>
       <p:ext uri="{BB962C8B-B14F-4D97-AF65-F5344CB8AC3E}">
@@ -7419,7 +8056,7 @@
 </p:sld>
 </file>
 
-<file path=ppt/slides/slide24.xml><?xml version="1.0" encoding="utf-8"?>
+<file path=ppt/slides/slide25.xml><?xml version="1.0" encoding="utf-8"?>
 <p:sld xmlns:a="http://schemas.openxmlformats.org/drawingml/2006/main" xmlns:r="http://schemas.openxmlformats.org/officeDocument/2006/relationships" xmlns:p="http://schemas.openxmlformats.org/presentationml/2006/main">
   <p:cSld>
     <p:spTree>
@@ -7491,7 +8128,7 @@
         </p:nvSpPr>
         <p:spPr>
           <a:xfrm>
-            <a:off x="1093176" y="982176"/>
+            <a:off x="1093176" y="1763226"/>
             <a:ext cx="10005647" cy="4093428"/>
           </a:xfrm>
           <a:prstGeom prst="rect">
@@ -7518,7 +8155,7 @@
                   </a:schemeClr>
                 </a:solidFill>
               </a:rPr>
-              <a:t>Key Considerations:</a:t>
+              <a:t>2. Seattle Mariners Trade Target:</a:t>
             </a:r>
           </a:p>
           <a:p>
@@ -7530,7 +8167,7 @@
                   </a:schemeClr>
                 </a:solidFill>
               </a:rPr>
-              <a:t>- Maintain young core</a:t>
+              <a:t>- Logan Gilbert (Starting Pitcher)</a:t>
             </a:r>
           </a:p>
           <a:p>
@@ -7542,7 +8179,7 @@
                   </a:schemeClr>
                 </a:solidFill>
               </a:rPr>
-              <a:t>- Seek offensive upgrades</a:t>
+              <a:t>- Potential Package:</a:t>
             </a:r>
           </a:p>
           <a:p>
@@ -7554,7 +8191,19 @@
                   </a:schemeClr>
                 </a:solidFill>
               </a:rPr>
-              <a:t>- Balance short-term competitiveness with long-term development</a:t>
+              <a:t>  * Braves send: Reynaldo Lopez, Dylan Dodd</a:t>
+            </a:r>
+          </a:p>
+          <a:p>
+            <a:r>
+              <a:rPr lang="en-US" sz="2000" dirty="0">
+                <a:solidFill>
+                  <a:schemeClr val="accent6">
+                    <a:lumMod val="75000"/>
+                  </a:schemeClr>
+                </a:solidFill>
+              </a:rPr>
+              <a:t>  * Mariners receive: Pitching depth and MLB-ready talent</a:t>
             </a:r>
           </a:p>
           <a:p>
@@ -7575,7 +8224,7 @@
                   </a:schemeClr>
                 </a:solidFill>
               </a:rPr>
-              <a:t>Recommendation:</a:t>
+              <a:t>Rationale:</a:t>
             </a:r>
           </a:p>
           <a:p>
@@ -7587,7 +8236,7 @@
                   </a:schemeClr>
                 </a:solidFill>
               </a:rPr>
-              <a:t>Be strategic and selective. Don't make trades just to make trades. Focus on:</a:t>
+              <a:t>- Gilbert is a young, cost-controlled starting pitcher</a:t>
             </a:r>
           </a:p>
           <a:p>
@@ -7599,10 +8248,14 @@
                   </a:schemeClr>
                 </a:solidFill>
               </a:rPr>
-              <a:t>1. Clearing underperforming contracts</a:t>
-            </a:r>
-          </a:p>
-          <a:p>
+              <a:t>- Provides the Braves with a reliable rotation piece</a:t>
+            </a:r>
+          </a:p>
+          <a:p>
+            <a:pPr marL="342900" indent="-342900">
+              <a:buFontTx/>
+              <a:buChar char="-"/>
+            </a:pPr>
             <a:r>
               <a:rPr lang="en-US" sz="2000" dirty="0">
                 <a:solidFill>
@@ -7611,22 +8264,14 @@
                   </a:schemeClr>
                 </a:solidFill>
               </a:rPr>
-              <a:t>2. Acquiring offensive talent</a:t>
-            </a:r>
-          </a:p>
-          <a:p>
-            <a:r>
-              <a:rPr lang="en-US" sz="2000" dirty="0">
-                <a:solidFill>
-                  <a:schemeClr val="accent6">
-                    <a:lumMod val="75000"/>
-                  </a:schemeClr>
-                </a:solidFill>
-              </a:rPr>
-              <a:t>3. Maintaining pitching depth</a:t>
-            </a:r>
-          </a:p>
-          <a:p>
+              <a:t>Mariners get immediate pitching help</a:t>
+            </a:r>
+          </a:p>
+          <a:p>
+            <a:pPr marL="342900" indent="-342900">
+              <a:buFontTx/>
+              <a:buChar char="-"/>
+            </a:pPr>
             <a:endParaRPr lang="en-US" sz="2000" dirty="0">
               <a:solidFill>
                 <a:schemeClr val="accent6">
@@ -7636,100 +8281,69 @@
             </a:endParaRPr>
           </a:p>
           <a:p>
-            <a:r>
-              <a:rPr lang="en-US" sz="2000" dirty="0">
-                <a:solidFill>
-                  <a:schemeClr val="accent6">
-                    <a:lumMod val="75000"/>
-                  </a:schemeClr>
-                </a:solidFill>
-              </a:rPr>
-              <a:t>Would you like me to dive deeper into any of these potential trade scenarios or analyze specific players in more detail?</a:t>
-            </a:r>
-          </a:p>
-        </p:txBody>
-      </p:sp>
-      <p:sp>
-        <p:nvSpPr>
-          <p:cNvPr id="3" name="TextBox 2">
-            <a:extLst>
-              <a:ext uri="{FF2B5EF4-FFF2-40B4-BE49-F238E27FC236}">
-                <a16:creationId xmlns:a16="http://schemas.microsoft.com/office/drawing/2014/main" id="{DAFB9DD1-45F8-3BB8-0949-1B4F8B0005ED}"/>
-              </a:ext>
-            </a:extLst>
-          </p:cNvPr>
-          <p:cNvSpPr txBox="1"/>
+            <a:pPr marL="342900" indent="-342900">
+              <a:buFontTx/>
+              <a:buChar char="-"/>
+            </a:pPr>
+            <a:endParaRPr lang="en-US" sz="2000" dirty="0">
+              <a:solidFill>
+                <a:schemeClr val="accent6">
+                  <a:lumMod val="75000"/>
+                </a:schemeClr>
+              </a:solidFill>
+            </a:endParaRPr>
+          </a:p>
+          <a:p>
+            <a:pPr marL="342900" indent="-342900">
+              <a:buFontTx/>
+              <a:buChar char="-"/>
+            </a:pPr>
+            <a:endParaRPr lang="en-US" sz="2000" dirty="0">
+              <a:solidFill>
+                <a:schemeClr val="accent6">
+                  <a:lumMod val="75000"/>
+                </a:schemeClr>
+              </a:solidFill>
+            </a:endParaRPr>
+          </a:p>
+        </p:txBody>
+      </p:sp>
+      <p:pic>
+        <p:nvPicPr>
+          <p:cNvPr id="7" name="Picture 6">
+            <a:extLst>
+              <a:ext uri="{FF2B5EF4-FFF2-40B4-BE49-F238E27FC236}">
+                <a16:creationId xmlns:a16="http://schemas.microsoft.com/office/drawing/2014/main" id="{27F61517-51F8-D113-8D63-1156ED9BA280}"/>
+              </a:ext>
+            </a:extLst>
+          </p:cNvPr>
+          <p:cNvPicPr>
+            <a:picLocks noChangeAspect="1"/>
+          </p:cNvPicPr>
           <p:nvPr/>
-        </p:nvSpPr>
-        <p:spPr>
-          <a:xfrm>
-            <a:off x="1093176" y="5596193"/>
-            <a:ext cx="10005647" cy="707886"/>
+        </p:nvPicPr>
+        <p:blipFill>
+          <a:blip r:embed="rId2">
+            <a:extLst>
+              <a:ext uri="{28A0092B-C50C-407E-A947-70E740481C1C}">
+                <a14:useLocalDpi xmlns:a14="http://schemas.microsoft.com/office/drawing/2010/main" val="0"/>
+              </a:ext>
+            </a:extLst>
+          </a:blip>
+          <a:stretch>
+            <a:fillRect/>
+          </a:stretch>
+        </p:blipFill>
+        <p:spPr>
+          <a:xfrm>
+            <a:off x="7943850" y="3105150"/>
+            <a:ext cx="2533650" cy="2533650"/>
           </a:xfrm>
           <a:prstGeom prst="rect">
             <a:avLst/>
           </a:prstGeom>
-          <a:noFill/>
-          <a:ln>
-            <a:solidFill>
-              <a:schemeClr val="tx1"/>
-            </a:solidFill>
-          </a:ln>
-        </p:spPr>
-        <p:txBody>
-          <a:bodyPr wrap="square" rtlCol="0">
-            <a:spAutoFit/>
-          </a:bodyPr>
-          <a:lstStyle/>
-          <a:p>
-            <a:r>
-              <a:rPr lang="en-US" sz="2000" dirty="0">
-                <a:solidFill>
-                  <a:schemeClr val="accent5">
-                    <a:lumMod val="75000"/>
-                  </a:schemeClr>
-                </a:solidFill>
-              </a:rPr>
-              <a:t>Yes, please give me more specifics on which players are good trade candidates, and which trade partners might be interested in them.</a:t>
-            </a:r>
-          </a:p>
-        </p:txBody>
-      </p:sp>
-      <p:sp>
-        <p:nvSpPr>
-          <p:cNvPr id="4" name="TextBox 3">
-            <a:extLst>
-              <a:ext uri="{FF2B5EF4-FFF2-40B4-BE49-F238E27FC236}">
-                <a16:creationId xmlns:a16="http://schemas.microsoft.com/office/drawing/2014/main" id="{27F7FFB9-C9EB-3B3B-AD96-A99DAE262E2B}"/>
-              </a:ext>
-            </a:extLst>
-          </p:cNvPr>
-          <p:cNvSpPr txBox="1"/>
-          <p:nvPr/>
-        </p:nvSpPr>
-        <p:spPr>
-          <a:xfrm>
-            <a:off x="3675014" y="5226861"/>
-            <a:ext cx="4632743" cy="369332"/>
-          </a:xfrm>
-          <a:prstGeom prst="rect">
-            <a:avLst/>
-          </a:prstGeom>
-          <a:noFill/>
-        </p:spPr>
-        <p:txBody>
-          <a:bodyPr wrap="none" rtlCol="0">
-            <a:spAutoFit/>
-          </a:bodyPr>
-          <a:lstStyle/>
-          <a:p>
-            <a:r>
-              <a:rPr lang="en-US" b="1" dirty="0"/>
-              <a:t>Canned User Response to Follow-up Questions</a:t>
-            </a:r>
-          </a:p>
-        </p:txBody>
-      </p:sp>
+        </p:spPr>
+      </p:pic>
     </p:spTree>
     <p:extLst>
       <p:ext uri="{BB962C8B-B14F-4D97-AF65-F5344CB8AC3E}">
@@ -7743,7 +8357,7 @@
 </p:sld>
 </file>
 
-<file path=ppt/slides/slide25.xml><?xml version="1.0" encoding="utf-8"?>
+<file path=ppt/slides/slide26.xml><?xml version="1.0" encoding="utf-8"?>
 <p:sld xmlns:a="http://schemas.openxmlformats.org/drawingml/2006/main" xmlns:r="http://schemas.openxmlformats.org/officeDocument/2006/relationships" xmlns:p="http://schemas.openxmlformats.org/presentationml/2006/main">
   <p:cSld>
     <p:spTree>
@@ -7803,10 +8417,10 @@
       </p:sp>
       <p:sp>
         <p:nvSpPr>
-          <p:cNvPr id="7" name="TextBox 6">
-            <a:extLst>
-              <a:ext uri="{FF2B5EF4-FFF2-40B4-BE49-F238E27FC236}">
-                <a16:creationId xmlns:a16="http://schemas.microsoft.com/office/drawing/2014/main" id="{78CC9E6D-441B-FC33-8FB3-0CEAFF072095}"/>
+          <p:cNvPr id="6" name="TextBox 5">
+            <a:extLst>
+              <a:ext uri="{FF2B5EF4-FFF2-40B4-BE49-F238E27FC236}">
+                <a16:creationId xmlns:a16="http://schemas.microsoft.com/office/drawing/2014/main" id="{82B7A006-4C4C-D296-8015-60E7E7E8EFC8}"/>
               </a:ext>
             </a:extLst>
           </p:cNvPr>
@@ -7815,8 +8429,8 @@
         </p:nvSpPr>
         <p:spPr>
           <a:xfrm>
-            <a:off x="1012789" y="1594665"/>
-            <a:ext cx="10005647" cy="1015663"/>
+            <a:off x="1165189" y="1892605"/>
+            <a:ext cx="10005647" cy="3970318"/>
           </a:xfrm>
           <a:prstGeom prst="rect">
             <a:avLst/>
@@ -7835,52 +8449,6 @@
           <a:lstStyle/>
           <a:p>
             <a:r>
-              <a:rPr lang="en-US" sz="2000" dirty="0">
-                <a:solidFill>
-                  <a:schemeClr val="accent6">
-                    <a:lumMod val="75000"/>
-                  </a:schemeClr>
-                </a:solidFill>
-              </a:rPr>
-              <a:t>I'll provide a more detailed analysis by looking at some specific players' current performance. I'll pull their individual batting or pitching statistics to give a more comprehensive view. Let's start with some key trade candidates: 1. Marcell Ozuna (Designated Hitter):</a:t>
-            </a:r>
-          </a:p>
-        </p:txBody>
-      </p:sp>
-      <p:sp>
-        <p:nvSpPr>
-          <p:cNvPr id="6" name="TextBox 5">
-            <a:extLst>
-              <a:ext uri="{FF2B5EF4-FFF2-40B4-BE49-F238E27FC236}">
-                <a16:creationId xmlns:a16="http://schemas.microsoft.com/office/drawing/2014/main" id="{82B7A006-4C4C-D296-8015-60E7E7E8EFC8}"/>
-              </a:ext>
-            </a:extLst>
-          </p:cNvPr>
-          <p:cNvSpPr txBox="1"/>
-          <p:nvPr/>
-        </p:nvSpPr>
-        <p:spPr>
-          <a:xfrm>
-            <a:off x="1012789" y="3273730"/>
-            <a:ext cx="10005647" cy="2585323"/>
-          </a:xfrm>
-          <a:prstGeom prst="rect">
-            <a:avLst/>
-          </a:prstGeom>
-          <a:noFill/>
-          <a:ln>
-            <a:solidFill>
-              <a:schemeClr val="tx1"/>
-            </a:solidFill>
-          </a:ln>
-        </p:spPr>
-        <p:txBody>
-          <a:bodyPr wrap="square" rtlCol="0">
-            <a:spAutoFit/>
-          </a:bodyPr>
-          <a:lstStyle/>
-          <a:p>
-            <a:r>
               <a:rPr lang="en-US" dirty="0">
                 <a:solidFill>
                   <a:schemeClr val="accent6">
@@ -7888,7 +8456,7 @@
                   </a:schemeClr>
                 </a:solidFill>
               </a:rPr>
-              <a:t>Ozuna Analysis:</a:t>
+              <a:t>3. Cleveland Guardians Trade Target:</a:t>
             </a:r>
           </a:p>
           <a:p>
@@ -7900,7 +8468,7 @@
                   </a:schemeClr>
                 </a:solidFill>
               </a:rPr>
-              <a:t>- Pros: Decent on-base percentage (.367), 12 home runs</a:t>
+              <a:t>- Shane Bieber (Starting Pitcher)</a:t>
             </a:r>
           </a:p>
           <a:p>
@@ -7912,7 +8480,7 @@
                   </a:schemeClr>
                 </a:solidFill>
               </a:rPr>
-              <a:t>- Cons: Aging (34), limited defensive value</a:t>
+              <a:t>- Potential Package:</a:t>
             </a:r>
           </a:p>
           <a:p>
@@ -7924,7 +8492,7 @@
                   </a:schemeClr>
                 </a:solidFill>
               </a:rPr>
-              <a:t>- Ideal Trade Partners:</a:t>
+              <a:t>  * Braves send: Pierce Johnson, AJ Smith-Shawver</a:t>
             </a:r>
           </a:p>
           <a:p>
@@ -7936,8 +8504,17 @@
                   </a:schemeClr>
                 </a:solidFill>
               </a:rPr>
-              <a:t>  a) Oakland Athletics: Need power, low payroll</a:t>
-            </a:r>
+              <a:t>  * Guardians receive: Veteran reliever and high-potential prospect</a:t>
+            </a:r>
+          </a:p>
+          <a:p>
+            <a:endParaRPr lang="en-US" dirty="0">
+              <a:solidFill>
+                <a:schemeClr val="accent6">
+                  <a:lumMod val="75000"/>
+                </a:schemeClr>
+              </a:solidFill>
+            </a:endParaRPr>
           </a:p>
           <a:p>
             <a:r>
@@ -7948,7 +8525,7 @@
                   </a:schemeClr>
                 </a:solidFill>
               </a:rPr>
-              <a:t>  b) Kansas City Royals: Seeking veteran leadership</a:t>
+              <a:t>Rationale:</a:t>
             </a:r>
           </a:p>
           <a:p>
@@ -7960,7 +8537,7 @@
                   </a:schemeClr>
                 </a:solidFill>
               </a:rPr>
-              <a:t>- Potential Trade Package: </a:t>
+              <a:t>- Bieber is a proven front-line starter when healthy</a:t>
             </a:r>
           </a:p>
           <a:p>
@@ -7972,10 +8549,14 @@
                   </a:schemeClr>
                 </a:solidFill>
               </a:rPr>
-              <a:t>  - Ozuna + cash considerations</a:t>
-            </a:r>
-          </a:p>
-          <a:p>
+              <a:t>- Provides the Braves with a potential ace</a:t>
+            </a:r>
+          </a:p>
+          <a:p>
+            <a:pPr marL="285750" indent="-285750">
+              <a:buFontTx/>
+              <a:buChar char="-"/>
+            </a:pPr>
             <a:r>
               <a:rPr lang="en-US" dirty="0">
                 <a:solidFill>
@@ -7984,17 +8565,69 @@
                   </a:schemeClr>
                 </a:solidFill>
               </a:rPr>
-              <a:t>  - Return: Low-tier prospects, salary relief</a:t>
-            </a:r>
+              <a:t>Guardians get young talent and bullpen help</a:t>
+            </a:r>
+          </a:p>
+          <a:p>
+            <a:pPr marL="285750" indent="-285750">
+              <a:buFontTx/>
+              <a:buChar char="-"/>
+            </a:pPr>
+            <a:endParaRPr lang="en-US" dirty="0">
+              <a:solidFill>
+                <a:schemeClr val="accent6">
+                  <a:lumMod val="75000"/>
+                </a:schemeClr>
+              </a:solidFill>
+            </a:endParaRPr>
+          </a:p>
+          <a:p>
+            <a:pPr marL="285750" indent="-285750">
+              <a:buFontTx/>
+              <a:buChar char="-"/>
+            </a:pPr>
+            <a:endParaRPr lang="en-US" dirty="0">
+              <a:solidFill>
+                <a:schemeClr val="accent6">
+                  <a:lumMod val="75000"/>
+                </a:schemeClr>
+              </a:solidFill>
+            </a:endParaRPr>
+          </a:p>
+          <a:p>
+            <a:pPr marL="285750" indent="-285750">
+              <a:buFontTx/>
+              <a:buChar char="-"/>
+            </a:pPr>
+            <a:endParaRPr lang="en-US" dirty="0">
+              <a:solidFill>
+                <a:schemeClr val="accent6">
+                  <a:lumMod val="75000"/>
+                </a:schemeClr>
+              </a:solidFill>
+            </a:endParaRPr>
+          </a:p>
+          <a:p>
+            <a:pPr marL="285750" indent="-285750">
+              <a:buFontTx/>
+              <a:buChar char="-"/>
+            </a:pPr>
+            <a:endParaRPr lang="en-US" dirty="0">
+              <a:solidFill>
+                <a:schemeClr val="accent6">
+                  <a:lumMod val="75000"/>
+                </a:schemeClr>
+              </a:solidFill>
+            </a:endParaRPr>
           </a:p>
         </p:txBody>
       </p:sp>
       <p:pic>
         <p:nvPicPr>
-          <p:cNvPr id="3" name="Picture 2">
-            <a:extLst>
-              <a:ext uri="{FF2B5EF4-FFF2-40B4-BE49-F238E27FC236}">
-                <a16:creationId xmlns:a16="http://schemas.microsoft.com/office/drawing/2014/main" id="{3D93260F-05A9-7DF5-1B2E-DFCA94F45B64}"/>
+          <p:cNvPr id="5" name="Picture 4">
+            <a:extLst>
+              <a:ext uri="{FF2B5EF4-FFF2-40B4-BE49-F238E27FC236}">
+                <a16:creationId xmlns:a16="http://schemas.microsoft.com/office/drawing/2014/main" id="{6C6DD124-7C4F-FC0B-9973-27AD353F0FB3}"/>
               </a:ext>
             </a:extLst>
           </p:cNvPr>
@@ -8011,24 +8644,18 @@
               </a:ext>
             </a:extLst>
           </a:blip>
-          <a:srcRect l="3444" t="51844" r="29297" b="42893"/>
           <a:stretch>
             <a:fillRect/>
           </a:stretch>
         </p:blipFill>
         <p:spPr>
           <a:xfrm>
-            <a:off x="765348" y="2710917"/>
-            <a:ext cx="10500527" cy="462224"/>
+            <a:off x="8024812" y="3533775"/>
+            <a:ext cx="2333625" cy="1962150"/>
           </a:xfrm>
           <a:prstGeom prst="rect">
             <a:avLst/>
           </a:prstGeom>
-          <a:ln>
-            <a:solidFill>
-              <a:schemeClr val="tx1"/>
-            </a:solidFill>
-          </a:ln>
         </p:spPr>
       </p:pic>
     </p:spTree>
@@ -8044,7 +8671,7 @@
 </p:sld>
 </file>
 
-<file path=ppt/slides/slide26.xml><?xml version="1.0" encoding="utf-8"?>
+<file path=ppt/slides/slide27.xml><?xml version="1.0" encoding="utf-8"?>
 <p:sld xmlns:a="http://schemas.openxmlformats.org/drawingml/2006/main" xmlns:r="http://schemas.openxmlformats.org/officeDocument/2006/relationships" xmlns:p="http://schemas.openxmlformats.org/presentationml/2006/main">
   <p:cSld>
     <p:spTree>
@@ -8116,8 +8743,8 @@
         </p:nvSpPr>
         <p:spPr>
           <a:xfrm>
-            <a:off x="982644" y="2238750"/>
-            <a:ext cx="10005647" cy="3416320"/>
+            <a:off x="925494" y="1667250"/>
+            <a:ext cx="10005647" cy="4247317"/>
           </a:xfrm>
           <a:prstGeom prst="rect">
             <a:avLst/>
@@ -8143,7 +8770,43 @@
                   </a:schemeClr>
                 </a:solidFill>
               </a:rPr>
-              <a:t>2. Reynaldo Lopez (Pitcher)</a:t>
+              <a:t>Additional Trade Considerations:</a:t>
+            </a:r>
+          </a:p>
+          <a:p>
+            <a:r>
+              <a:rPr lang="en-US" dirty="0">
+                <a:solidFill>
+                  <a:schemeClr val="accent6">
+                    <a:lumMod val="75000"/>
+                  </a:schemeClr>
+                </a:solidFill>
+              </a:rPr>
+              <a:t>- Focus on acquiring young, controllable pitching</a:t>
+            </a:r>
+          </a:p>
+          <a:p>
+            <a:r>
+              <a:rPr lang="en-US" dirty="0">
+                <a:solidFill>
+                  <a:schemeClr val="accent6">
+                    <a:lumMod val="75000"/>
+                  </a:schemeClr>
+                </a:solidFill>
+              </a:rPr>
+              <a:t>- Maintain organizational depth</a:t>
+            </a:r>
+          </a:p>
+          <a:p>
+            <a:r>
+              <a:rPr lang="en-US" dirty="0">
+                <a:solidFill>
+                  <a:schemeClr val="accent6">
+                    <a:lumMod val="75000"/>
+                  </a:schemeClr>
+                </a:solidFill>
+              </a:rPr>
+              <a:t>- Balance short-term competitiveness with long-term potential</a:t>
             </a:r>
           </a:p>
           <a:p>
@@ -8164,7 +8827,7 @@
                   </a:schemeClr>
                 </a:solidFill>
               </a:rPr>
-              <a:t>Lopez Analysis:</a:t>
+              <a:t>Potential Trade Philosophy:</a:t>
             </a:r>
           </a:p>
           <a:p>
@@ -8176,7 +8839,7 @@
                   </a:schemeClr>
                 </a:solidFill>
               </a:rPr>
-              <a:t>- Pros: Versatile arm (starter/reliever)</a:t>
+              <a:t>- Target pitchers with multiple years of team control</a:t>
             </a:r>
           </a:p>
           <a:p>
@@ -8188,7 +8851,7 @@
                   </a:schemeClr>
                 </a:solidFill>
               </a:rPr>
-              <a:t>- Cons: Inconsistent recent performance</a:t>
+              <a:t>- Sell high on veteran assets</a:t>
             </a:r>
           </a:p>
           <a:p>
@@ -8200,67 +8863,7 @@
                   </a:schemeClr>
                 </a:solidFill>
               </a:rPr>
-              <a:t>- Ideal Trade Partners:</a:t>
-            </a:r>
-          </a:p>
-          <a:p>
-            <a:r>
-              <a:rPr lang="en-US" dirty="0">
-                <a:solidFill>
-                  <a:schemeClr val="accent6">
-                    <a:lumMod val="75000"/>
-                  </a:schemeClr>
-                </a:solidFill>
-              </a:rPr>
-              <a:t>  a) Minnesota Twins: Need rotation depth</a:t>
-            </a:r>
-          </a:p>
-          <a:p>
-            <a:r>
-              <a:rPr lang="en-US" dirty="0">
-                <a:solidFill>
-                  <a:schemeClr val="accent6">
-                    <a:lumMod val="75000"/>
-                  </a:schemeClr>
-                </a:solidFill>
-              </a:rPr>
-              <a:t>  b) San Diego Padres: Analytics-driven team</a:t>
-            </a:r>
-          </a:p>
-          <a:p>
-            <a:r>
-              <a:rPr lang="en-US" dirty="0">
-                <a:solidFill>
-                  <a:schemeClr val="accent6">
-                    <a:lumMod val="75000"/>
-                  </a:schemeClr>
-                </a:solidFill>
-              </a:rPr>
-              <a:t>- Potential Trade Package:</a:t>
-            </a:r>
-          </a:p>
-          <a:p>
-            <a:r>
-              <a:rPr lang="en-US" dirty="0">
-                <a:solidFill>
-                  <a:schemeClr val="accent6">
-                    <a:lumMod val="75000"/>
-                  </a:schemeClr>
-                </a:solidFill>
-              </a:rPr>
-              <a:t>  - Lopez for prospects or young MLB-ready player</a:t>
-            </a:r>
-          </a:p>
-          <a:p>
-            <a:r>
-              <a:rPr lang="en-US" dirty="0">
-                <a:solidFill>
-                  <a:schemeClr val="accent6">
-                    <a:lumMod val="75000"/>
-                  </a:schemeClr>
-                </a:solidFill>
-              </a:rPr>
-              <a:t>  - Potential return: Mid-tier pitching or utility prospect</a:t>
+              <a:t>- Acquire high-upside young talent</a:t>
             </a:r>
           </a:p>
           <a:p>
@@ -8272,153 +8875,6 @@
               </a:solidFill>
             </a:endParaRPr>
           </a:p>
-        </p:txBody>
-      </p:sp>
-      <p:pic>
-        <p:nvPicPr>
-          <p:cNvPr id="4" name="Picture 3">
-            <a:extLst>
-              <a:ext uri="{FF2B5EF4-FFF2-40B4-BE49-F238E27FC236}">
-                <a16:creationId xmlns:a16="http://schemas.microsoft.com/office/drawing/2014/main" id="{ED88E713-FF94-0CDC-7F28-39B4AD9819DE}"/>
-              </a:ext>
-            </a:extLst>
-          </p:cNvPr>
-          <p:cNvPicPr>
-            <a:picLocks noChangeAspect="1"/>
-          </p:cNvPicPr>
-          <p:nvPr/>
-        </p:nvPicPr>
-        <p:blipFill>
-          <a:blip r:embed="rId2">
-            <a:extLst>
-              <a:ext uri="{28A0092B-C50C-407E-A947-70E740481C1C}">
-                <a14:useLocalDpi xmlns:a14="http://schemas.microsoft.com/office/drawing/2010/main" val="0"/>
-              </a:ext>
-            </a:extLst>
-          </a:blip>
-          <a:srcRect l="3623" t="56421" r="29105" b="37972"/>
-          <a:stretch>
-            <a:fillRect/>
-          </a:stretch>
-        </p:blipFill>
-        <p:spPr>
-          <a:xfrm>
-            <a:off x="844689" y="1497944"/>
-            <a:ext cx="10502622" cy="492370"/>
-          </a:xfrm>
-          <a:prstGeom prst="rect">
-            <a:avLst/>
-          </a:prstGeom>
-          <a:ln>
-            <a:solidFill>
-              <a:schemeClr val="tx1"/>
-            </a:solidFill>
-          </a:ln>
-        </p:spPr>
-      </p:pic>
-    </p:spTree>
-    <p:extLst>
-      <p:ext uri="{BB962C8B-B14F-4D97-AF65-F5344CB8AC3E}">
-        <p14:creationId xmlns:p14="http://schemas.microsoft.com/office/powerpoint/2010/main" val="2288715338"/>
-      </p:ext>
-    </p:extLst>
-  </p:cSld>
-  <p:clrMapOvr>
-    <a:masterClrMapping/>
-  </p:clrMapOvr>
-</p:sld>
-</file>
-
-<file path=ppt/slides/slide27.xml><?xml version="1.0" encoding="utf-8"?>
-<p:sld xmlns:a="http://schemas.openxmlformats.org/drawingml/2006/main" xmlns:r="http://schemas.openxmlformats.org/officeDocument/2006/relationships" xmlns:p="http://schemas.openxmlformats.org/presentationml/2006/main">
-  <p:cSld>
-    <p:spTree>
-      <p:nvGrpSpPr>
-        <p:cNvPr id="1" name="">
-          <a:extLst>
-            <a:ext uri="{FF2B5EF4-FFF2-40B4-BE49-F238E27FC236}">
-              <a16:creationId xmlns:a16="http://schemas.microsoft.com/office/drawing/2014/main" id="{99FB4533-20A3-47B1-9D23-A07A96401E33}"/>
-            </a:ext>
-          </a:extLst>
-        </p:cNvPr>
-        <p:cNvGrpSpPr/>
-        <p:nvPr/>
-      </p:nvGrpSpPr>
-      <p:grpSpPr>
-        <a:xfrm>
-          <a:off x="0" y="0"/>
-          <a:ext cx="0" cy="0"/>
-          <a:chOff x="0" y="0"/>
-          <a:chExt cx="0" cy="0"/>
-        </a:xfrm>
-      </p:grpSpPr>
-      <p:sp>
-        <p:nvSpPr>
-          <p:cNvPr id="2" name="Title 1">
-            <a:extLst>
-              <a:ext uri="{FF2B5EF4-FFF2-40B4-BE49-F238E27FC236}">
-                <a16:creationId xmlns:a16="http://schemas.microsoft.com/office/drawing/2014/main" id="{04966C52-37D4-1675-863A-2617381A3C08}"/>
-              </a:ext>
-            </a:extLst>
-          </p:cNvPr>
-          <p:cNvSpPr>
-            <a:spLocks noGrp="1"/>
-          </p:cNvSpPr>
-          <p:nvPr>
-            <p:ph type="title"/>
-          </p:nvPr>
-        </p:nvSpPr>
-        <p:spPr>
-          <a:xfrm>
-            <a:off x="386024" y="127478"/>
-            <a:ext cx="5181600" cy="760290"/>
-          </a:xfrm>
-        </p:spPr>
-        <p:txBody>
-          <a:bodyPr>
-            <a:normAutofit/>
-          </a:bodyPr>
-          <a:lstStyle/>
-          <a:p>
-            <a:r>
-              <a:rPr lang="en-US" sz="3200" b="1" dirty="0"/>
-              <a:t>Tool Use LLM - Response</a:t>
-            </a:r>
-          </a:p>
-        </p:txBody>
-      </p:sp>
-      <p:sp>
-        <p:nvSpPr>
-          <p:cNvPr id="6" name="TextBox 5">
-            <a:extLst>
-              <a:ext uri="{FF2B5EF4-FFF2-40B4-BE49-F238E27FC236}">
-                <a16:creationId xmlns:a16="http://schemas.microsoft.com/office/drawing/2014/main" id="{F0EDBCB3-E45E-BE99-C2B1-128AAD39E172}"/>
-              </a:ext>
-            </a:extLst>
-          </p:cNvPr>
-          <p:cNvSpPr txBox="1"/>
-          <p:nvPr/>
-        </p:nvSpPr>
-        <p:spPr>
-          <a:xfrm>
-            <a:off x="982644" y="2238750"/>
-            <a:ext cx="10005647" cy="3139321"/>
-          </a:xfrm>
-          <a:prstGeom prst="rect">
-            <a:avLst/>
-          </a:prstGeom>
-          <a:noFill/>
-          <a:ln>
-            <a:solidFill>
-              <a:schemeClr val="tx1"/>
-            </a:solidFill>
-          </a:ln>
-        </p:spPr>
-        <p:txBody>
-          <a:bodyPr wrap="square" rtlCol="0">
-            <a:spAutoFit/>
-          </a:bodyPr>
-          <a:lstStyle/>
           <a:p>
             <a:r>
               <a:rPr lang="en-US" dirty="0">
@@ -8428,7 +8884,43 @@
                   </a:schemeClr>
                 </a:solidFill>
               </a:rPr>
-              <a:t>3. Aaron Bummer (Relief Pitcher)</a:t>
+              <a:t>Potential Selling Points for Braves:</a:t>
+            </a:r>
+          </a:p>
+          <a:p>
+            <a:r>
+              <a:rPr lang="en-US" dirty="0">
+                <a:solidFill>
+                  <a:schemeClr val="accent6">
+                    <a:lumMod val="75000"/>
+                  </a:schemeClr>
+                </a:solidFill>
+              </a:rPr>
+              <a:t>1. Strong pitching development track record</a:t>
+            </a:r>
+          </a:p>
+          <a:p>
+            <a:r>
+              <a:rPr lang="en-US" dirty="0">
+                <a:solidFill>
+                  <a:schemeClr val="accent6">
+                    <a:lumMod val="75000"/>
+                  </a:schemeClr>
+                </a:solidFill>
+              </a:rPr>
+              <a:t>2. Ability to maximize pitcher potential</a:t>
+            </a:r>
+          </a:p>
+          <a:p>
+            <a:r>
+              <a:rPr lang="en-US" dirty="0">
+                <a:solidFill>
+                  <a:schemeClr val="accent6">
+                    <a:lumMod val="75000"/>
+                  </a:schemeClr>
+                </a:solidFill>
+              </a:rPr>
+              <a:t>3. Competitive organization with winning culture</a:t>
             </a:r>
           </a:p>
           <a:p>
@@ -8440,162 +8932,12 @@
               </a:solidFill>
             </a:endParaRPr>
           </a:p>
-          <a:p>
-            <a:r>
-              <a:rPr lang="en-US" dirty="0">
-                <a:solidFill>
-                  <a:schemeClr val="accent6">
-                    <a:lumMod val="75000"/>
-                  </a:schemeClr>
-                </a:solidFill>
-              </a:rPr>
-              <a:t>Bummer Analysis:</a:t>
-            </a:r>
-          </a:p>
-          <a:p>
-            <a:r>
-              <a:rPr lang="en-US" dirty="0">
-                <a:solidFill>
-                  <a:schemeClr val="accent6">
-                    <a:lumMod val="75000"/>
-                  </a:schemeClr>
-                </a:solidFill>
-              </a:rPr>
-              <a:t>- Pros: Solid left-handed reliever, good strikeout rate</a:t>
-            </a:r>
-          </a:p>
-          <a:p>
-            <a:r>
-              <a:rPr lang="en-US" dirty="0">
-                <a:solidFill>
-                  <a:schemeClr val="accent6">
-                    <a:lumMod val="75000"/>
-                  </a:schemeClr>
-                </a:solidFill>
-              </a:rPr>
-              <a:t>- Cons: Inconsistent performance</a:t>
-            </a:r>
-          </a:p>
-          <a:p>
-            <a:r>
-              <a:rPr lang="en-US" dirty="0">
-                <a:solidFill>
-                  <a:schemeClr val="accent6">
-                    <a:lumMod val="75000"/>
-                  </a:schemeClr>
-                </a:solidFill>
-              </a:rPr>
-              <a:t>- Ideal Trade Partners:</a:t>
-            </a:r>
-          </a:p>
-          <a:p>
-            <a:r>
-              <a:rPr lang="en-US" dirty="0">
-                <a:solidFill>
-                  <a:schemeClr val="accent6">
-                    <a:lumMod val="75000"/>
-                  </a:schemeClr>
-                </a:solidFill>
-              </a:rPr>
-              <a:t>  a) New York Yankees: Always seeking bullpen help</a:t>
-            </a:r>
-          </a:p>
-          <a:p>
-            <a:r>
-              <a:rPr lang="en-US" dirty="0">
-                <a:solidFill>
-                  <a:schemeClr val="accent6">
-                    <a:lumMod val="75000"/>
-                  </a:schemeClr>
-                </a:solidFill>
-              </a:rPr>
-              <a:t>  b) Houston Astros: Analytics-driven team</a:t>
-            </a:r>
-          </a:p>
-          <a:p>
-            <a:r>
-              <a:rPr lang="en-US" dirty="0">
-                <a:solidFill>
-                  <a:schemeClr val="accent6">
-                    <a:lumMod val="75000"/>
-                  </a:schemeClr>
-                </a:solidFill>
-              </a:rPr>
-              <a:t>- Potential Trade Package:</a:t>
-            </a:r>
-          </a:p>
-          <a:p>
-            <a:r>
-              <a:rPr lang="en-US" dirty="0">
-                <a:solidFill>
-                  <a:schemeClr val="accent6">
-                    <a:lumMod val="75000"/>
-                  </a:schemeClr>
-                </a:solidFill>
-              </a:rPr>
-              <a:t>  - Bummer for prospects or young utility player</a:t>
-            </a:r>
-          </a:p>
-          <a:p>
-            <a:r>
-              <a:rPr lang="en-US" dirty="0">
-                <a:solidFill>
-                  <a:schemeClr val="accent6">
-                    <a:lumMod val="75000"/>
-                  </a:schemeClr>
-                </a:solidFill>
-              </a:rPr>
-              <a:t>  - Potential return: Mid-level pitching prospect</a:t>
-            </a:r>
-          </a:p>
-        </p:txBody>
-      </p:sp>
-      <p:pic>
-        <p:nvPicPr>
-          <p:cNvPr id="4" name="Picture 3">
-            <a:extLst>
-              <a:ext uri="{FF2B5EF4-FFF2-40B4-BE49-F238E27FC236}">
-                <a16:creationId xmlns:a16="http://schemas.microsoft.com/office/drawing/2014/main" id="{56B99AF0-7C91-D58B-8C49-62F64A28521F}"/>
-              </a:ext>
-            </a:extLst>
-          </p:cNvPr>
-          <p:cNvPicPr>
-            <a:picLocks noChangeAspect="1"/>
-          </p:cNvPicPr>
-          <p:nvPr/>
-        </p:nvPicPr>
-        <p:blipFill>
-          <a:blip r:embed="rId2">
-            <a:extLst>
-              <a:ext uri="{28A0092B-C50C-407E-A947-70E740481C1C}">
-                <a14:useLocalDpi xmlns:a14="http://schemas.microsoft.com/office/drawing/2010/main" val="0"/>
-              </a:ext>
-            </a:extLst>
-          </a:blip>
-          <a:srcRect l="3623" t="56421" r="29105" b="37972"/>
-          <a:stretch>
-            <a:fillRect/>
-          </a:stretch>
-        </p:blipFill>
-        <p:spPr>
-          <a:xfrm>
-            <a:off x="844689" y="1497944"/>
-            <a:ext cx="10502622" cy="492370"/>
-          </a:xfrm>
-          <a:prstGeom prst="rect">
-            <a:avLst/>
-          </a:prstGeom>
-          <a:ln>
-            <a:solidFill>
-              <a:schemeClr val="tx1"/>
-            </a:solidFill>
-          </a:ln>
-        </p:spPr>
-      </p:pic>
+        </p:txBody>
+      </p:sp>
     </p:spTree>
     <p:extLst>
       <p:ext uri="{BB962C8B-B14F-4D97-AF65-F5344CB8AC3E}">
-        <p14:creationId xmlns:p14="http://schemas.microsoft.com/office/powerpoint/2010/main" val="515229286"/>
+        <p14:creationId xmlns:p14="http://schemas.microsoft.com/office/powerpoint/2010/main" val="2288715338"/>
       </p:ext>
     </p:extLst>
   </p:cSld>
@@ -8675,29 +9017,37 @@
         </p:nvSpPr>
         <p:spPr>
           <a:xfrm>
-            <a:off x="747764" y="1253331"/>
+            <a:off x="901521" y="1070327"/>
             <a:ext cx="10515600" cy="4351338"/>
           </a:xfrm>
         </p:spPr>
         <p:txBody>
-          <a:bodyPr/>
+          <a:bodyPr>
+            <a:normAutofit/>
+          </a:bodyPr>
           <a:lstStyle/>
           <a:p>
             <a:r>
-              <a:rPr lang="en-US" dirty="0"/>
-              <a:t>7 Tool Calls with 2 intermediate prompts for more details</a:t>
-            </a:r>
-          </a:p>
-          <a:p>
-            <a:r>
-              <a:rPr lang="en-US" dirty="0"/>
+              <a:rPr lang="en-US" sz="2400" dirty="0"/>
+              <a:t>14 Tool Calls with 2 intermediate prompts for more details</a:t>
+            </a:r>
+          </a:p>
+          <a:p>
+            <a:r>
+              <a:rPr lang="en-US" sz="2400" dirty="0"/>
               <a:t>100% accuracy rate in interpreting tool call results</a:t>
             </a:r>
           </a:p>
           <a:p>
             <a:r>
-              <a:rPr lang="en-US" dirty="0"/>
-              <a:t>856 Words in response (not counting intermediate explanations)</a:t>
+              <a:rPr lang="en-US" sz="2400" dirty="0"/>
+              <a:t>All Players are actually on the teams mentioned</a:t>
+            </a:r>
+          </a:p>
+          <a:p>
+            <a:r>
+              <a:rPr lang="en-US" sz="2400" dirty="0"/>
+              <a:t>764 Words in response (not counting intermediate explanations)</a:t>
             </a:r>
           </a:p>
         </p:txBody>
